--- a/docs/feinkonzept.pptx
+++ b/docs/feinkonzept.pptx
@@ -1548,6 +1548,13 @@
         </dgm:presLayoutVars>
       </dgm:prSet>
       <dgm:spPr/>
+      <dgm:t>
+        <a:bodyPr/>
+        <a:lstStyle/>
+        <a:p>
+          <a:endParaRPr lang="de-DE"/>
+        </a:p>
+      </dgm:t>
     </dgm:pt>
     <dgm:pt modelId="{E3CC0873-98CE-4FD3-B6EE-1C7F666DAC30}" type="pres">
       <dgm:prSet presAssocID="{4A1450A7-E589-4F6E-9DDB-9EBCF82BC9AD}" presName="compNode" presStyleCnt="0"/>
@@ -1567,7 +1574,7 @@
                 <a14:useLocalDpi xmlns:a14="http://schemas.microsoft.com/office/drawing/2010/main" val="0"/>
               </a:ext>
               <a:ext uri="{96DAC541-7B7A-43D3-8B79-37D633B846F1}">
-                <asvg:svgBlip xmlns:asvg="http://schemas.microsoft.com/office/drawing/2016/SVG/main" r:embed="rId2"/>
+                <asvg:svgBlip xmlns:asvg="http://schemas.microsoft.com/office/drawing/2016/SVG/main" xmlns="" r:embed="rId2"/>
               </a:ext>
             </a:extLst>
           </a:blip>
@@ -1597,12 +1604,26 @@
         </dgm:presLayoutVars>
       </dgm:prSet>
       <dgm:spPr/>
+      <dgm:t>
+        <a:bodyPr/>
+        <a:lstStyle/>
+        <a:p>
+          <a:endParaRPr lang="de-DE"/>
+        </a:p>
+      </dgm:t>
     </dgm:pt>
     <dgm:pt modelId="{C89913FB-8E59-48C0-A3D3-8820F934C3C9}" type="pres">
       <dgm:prSet presAssocID="{4A1450A7-E589-4F6E-9DDB-9EBCF82BC9AD}" presName="desTx" presStyleLbl="revTx" presStyleIdx="1" presStyleCnt="7">
         <dgm:presLayoutVars/>
       </dgm:prSet>
       <dgm:spPr/>
+      <dgm:t>
+        <a:bodyPr/>
+        <a:lstStyle/>
+        <a:p>
+          <a:endParaRPr lang="de-DE"/>
+        </a:p>
+      </dgm:t>
     </dgm:pt>
     <dgm:pt modelId="{757CF5AC-58F7-4DF9-9FA7-5A13A66376AC}" type="pres">
       <dgm:prSet presAssocID="{E5F25935-EFC4-4B60-B7CB-79EDE2E1F853}" presName="sibTrans" presStyleCnt="0"/>
@@ -1626,7 +1647,7 @@
                 <a14:useLocalDpi xmlns:a14="http://schemas.microsoft.com/office/drawing/2010/main" val="0"/>
               </a:ext>
               <a:ext uri="{96DAC541-7B7A-43D3-8B79-37D633B846F1}">
-                <asvg:svgBlip xmlns:asvg="http://schemas.microsoft.com/office/drawing/2016/SVG/main" r:embed="rId4"/>
+                <asvg:svgBlip xmlns:asvg="http://schemas.microsoft.com/office/drawing/2016/SVG/main" xmlns="" r:embed="rId4"/>
               </a:ext>
             </a:extLst>
           </a:blip>
@@ -1656,12 +1677,26 @@
         </dgm:presLayoutVars>
       </dgm:prSet>
       <dgm:spPr/>
+      <dgm:t>
+        <a:bodyPr/>
+        <a:lstStyle/>
+        <a:p>
+          <a:endParaRPr lang="de-DE"/>
+        </a:p>
+      </dgm:t>
     </dgm:pt>
     <dgm:pt modelId="{09623DE2-CC76-4AD9-970E-64C94525F95C}" type="pres">
       <dgm:prSet presAssocID="{3722D847-9B47-4473-BFE2-EF3135DEEE4C}" presName="desTx" presStyleLbl="revTx" presStyleIdx="3" presStyleCnt="7">
         <dgm:presLayoutVars/>
       </dgm:prSet>
       <dgm:spPr/>
+      <dgm:t>
+        <a:bodyPr/>
+        <a:lstStyle/>
+        <a:p>
+          <a:endParaRPr lang="de-DE"/>
+        </a:p>
+      </dgm:t>
     </dgm:pt>
     <dgm:pt modelId="{D47C2156-9F36-4ECB-8CCB-70D98D120193}" type="pres">
       <dgm:prSet presAssocID="{4818DE78-155C-4F1E-95F4-837088D21576}" presName="sibTrans" presStyleCnt="0"/>
@@ -1685,7 +1720,7 @@
                 <a14:useLocalDpi xmlns:a14="http://schemas.microsoft.com/office/drawing/2010/main" val="0"/>
               </a:ext>
               <a:ext uri="{96DAC541-7B7A-43D3-8B79-37D633B846F1}">
-                <asvg:svgBlip xmlns:asvg="http://schemas.microsoft.com/office/drawing/2016/SVG/main" r:embed="rId6"/>
+                <asvg:svgBlip xmlns:asvg="http://schemas.microsoft.com/office/drawing/2016/SVG/main" xmlns="" r:embed="rId6"/>
               </a:ext>
             </a:extLst>
           </a:blip>
@@ -1715,12 +1750,26 @@
         </dgm:presLayoutVars>
       </dgm:prSet>
       <dgm:spPr/>
+      <dgm:t>
+        <a:bodyPr/>
+        <a:lstStyle/>
+        <a:p>
+          <a:endParaRPr lang="de-DE"/>
+        </a:p>
+      </dgm:t>
     </dgm:pt>
     <dgm:pt modelId="{F27F44C1-55C9-44D6-B9A7-5D3D6F52AAC0}" type="pres">
       <dgm:prSet presAssocID="{1D1D3202-59C7-4497-B467-1C0937D3232D}" presName="desTx" presStyleLbl="revTx" presStyleIdx="5" presStyleCnt="7">
         <dgm:presLayoutVars/>
       </dgm:prSet>
       <dgm:spPr/>
+      <dgm:t>
+        <a:bodyPr/>
+        <a:lstStyle/>
+        <a:p>
+          <a:endParaRPr lang="de-DE"/>
+        </a:p>
+      </dgm:t>
     </dgm:pt>
     <dgm:pt modelId="{45EA50F2-C720-4DED-9173-E104F3E8D352}" type="pres">
       <dgm:prSet presAssocID="{37F42DC2-11D3-4069-835A-038CD713E68A}" presName="sibTrans" presStyleCnt="0"/>
@@ -1744,7 +1793,7 @@
                 <a14:useLocalDpi xmlns:a14="http://schemas.microsoft.com/office/drawing/2010/main" val="0"/>
               </a:ext>
               <a:ext uri="{96DAC541-7B7A-43D3-8B79-37D633B846F1}">
-                <asvg:svgBlip xmlns:asvg="http://schemas.microsoft.com/office/drawing/2016/SVG/main" r:embed="rId8"/>
+                <asvg:svgBlip xmlns:asvg="http://schemas.microsoft.com/office/drawing/2016/SVG/main" xmlns="" r:embed="rId8"/>
               </a:ext>
             </a:extLst>
           </a:blip>
@@ -1774,32 +1823,39 @@
         </dgm:presLayoutVars>
       </dgm:prSet>
       <dgm:spPr/>
+      <dgm:t>
+        <a:bodyPr/>
+        <a:lstStyle/>
+        <a:p>
+          <a:endParaRPr lang="de-DE"/>
+        </a:p>
+      </dgm:t>
     </dgm:pt>
   </dgm:ptLst>
   <dgm:cxnLst>
+    <dgm:cxn modelId="{0AF5191D-6D19-401B-8EE6-C4361946143C}" srcId="{4A1450A7-E589-4F6E-9DDB-9EBCF82BC9AD}" destId="{41FCDC72-4B09-4F08-A8D2-F3FAD3CC2AE0}" srcOrd="2" destOrd="0" parTransId="{0502B63D-EA27-4FD2-ADB4-524D269D129F}" sibTransId="{FE80CA98-01FC-4D3B-BEDA-7244412FF183}"/>
+    <dgm:cxn modelId="{66299156-C45C-4C1A-AA57-97D928A8586C}" type="presOf" srcId="{41FCDC72-4B09-4F08-A8D2-F3FAD3CC2AE0}" destId="{C89913FB-8E59-48C0-A3D3-8820F934C3C9}" srcOrd="0" destOrd="2" presId="urn:microsoft.com/office/officeart/2018/2/layout/IconVerticalSolidList"/>
+    <dgm:cxn modelId="{24D075D8-1829-4A3C-A0FB-93F42D79C43B}" type="presOf" srcId="{0B4BFA04-8C32-4789-BD5F-33118E21F898}" destId="{09623DE2-CC76-4AD9-970E-64C94525F95C}" srcOrd="0" destOrd="2" presId="urn:microsoft.com/office/officeart/2018/2/layout/IconVerticalSolidList"/>
+    <dgm:cxn modelId="{B5F045EB-7935-4E0F-BC03-25A2292389F8}" srcId="{5388B94D-1DB0-4AB9-BC56-703A428FE917}" destId="{4A1450A7-E589-4F6E-9DDB-9EBCF82BC9AD}" srcOrd="0" destOrd="0" parTransId="{7DEDB0F0-0769-44A3-9A8B-EA0320452031}" sibTransId="{E5F25935-EFC4-4B60-B7CB-79EDE2E1F853}"/>
+    <dgm:cxn modelId="{16A59B5D-DAF9-4838-A608-924DD6FF71B4}" type="presOf" srcId="{1D1D3202-59C7-4497-B467-1C0937D3232D}" destId="{4CF258C1-0AB6-457B-B8D9-BAEFA146899C}" srcOrd="0" destOrd="0" presId="urn:microsoft.com/office/officeart/2018/2/layout/IconVerticalSolidList"/>
+    <dgm:cxn modelId="{8E8821AA-79C9-4B54-98E2-0B0DB67FB479}" srcId="{4A1450A7-E589-4F6E-9DDB-9EBCF82BC9AD}" destId="{D8DAF1F3-B38A-4BD5-AFE1-BB06B6022CDC}" srcOrd="1" destOrd="0" parTransId="{8DA3D352-8612-4100-825D-E255189A29E4}" sibTransId="{FAA28235-8B64-47DC-9D1B-192BF706241B}"/>
+    <dgm:cxn modelId="{AAD6748C-740B-467F-BF17-C65354E594BD}" type="presOf" srcId="{E4696AED-F761-41A4-8C7F-63F8E38775A7}" destId="{09623DE2-CC76-4AD9-970E-64C94525F95C}" srcOrd="0" destOrd="1" presId="urn:microsoft.com/office/officeart/2018/2/layout/IconVerticalSolidList"/>
+    <dgm:cxn modelId="{2CCAC945-95B0-4C82-84F0-2370901217E4}" type="presOf" srcId="{895A94BC-23C2-408C-A2C1-1DD739FA625B}" destId="{F27F44C1-55C9-44D6-B9A7-5D3D6F52AAC0}" srcOrd="0" destOrd="0" presId="urn:microsoft.com/office/officeart/2018/2/layout/IconVerticalSolidList"/>
+    <dgm:cxn modelId="{21583AAA-6BCC-4579-B3DE-F7CF0EA6A825}" srcId="{3722D847-9B47-4473-BFE2-EF3135DEEE4C}" destId="{0B4BFA04-8C32-4789-BD5F-33118E21F898}" srcOrd="2" destOrd="0" parTransId="{6417F708-2531-4D0D-B95F-229EF2CAA25B}" sibTransId="{CAC4CA6C-167C-4D2D-8CE4-D69358800482}"/>
+    <dgm:cxn modelId="{81CB3512-FDA5-4E3D-9241-11E9954ED94C}" type="presOf" srcId="{5388B94D-1DB0-4AB9-BC56-703A428FE917}" destId="{47503E42-AB3A-4CAB-BD34-948F845D37AE}" srcOrd="0" destOrd="0" presId="urn:microsoft.com/office/officeart/2018/2/layout/IconVerticalSolidList"/>
+    <dgm:cxn modelId="{D603DF5E-F313-4543-86B6-966F50FB4133}" srcId="{3722D847-9B47-4473-BFE2-EF3135DEEE4C}" destId="{E4696AED-F761-41A4-8C7F-63F8E38775A7}" srcOrd="1" destOrd="0" parTransId="{9E283F18-1B30-466D-B2EB-4C0CB86C7063}" sibTransId="{0FAC0163-7DC7-47EB-97C5-CE19B29436CF}"/>
+    <dgm:cxn modelId="{0F2C1B3F-6F8A-477A-BD12-0AE16F831F22}" srcId="{3722D847-9B47-4473-BFE2-EF3135DEEE4C}" destId="{1EF078ED-F045-4194-BA8A-F829E8CB60C5}" srcOrd="0" destOrd="0" parTransId="{1A75D27D-5362-4F3A-BA8E-49ACA0A1FCB4}" sibTransId="{4A9D4B7B-48E2-4ED2-8C69-B7C8DBFA5C57}"/>
+    <dgm:cxn modelId="{08DEC16E-FBFD-4BAF-BB24-D808C80FF8B7}" srcId="{5388B94D-1DB0-4AB9-BC56-703A428FE917}" destId="{3722D847-9B47-4473-BFE2-EF3135DEEE4C}" srcOrd="1" destOrd="0" parTransId="{D31D4990-3E4F-4B23-A1DA-CDCB7095951D}" sibTransId="{4818DE78-155C-4F1E-95F4-837088D21576}"/>
+    <dgm:cxn modelId="{3A044C81-45E1-4E7D-A86E-4021F6B03BE7}" srcId="{5388B94D-1DB0-4AB9-BC56-703A428FE917}" destId="{55430BDA-6BBE-4950-9F37-B997C30E38C5}" srcOrd="3" destOrd="0" parTransId="{08884883-4D9A-4740-BFC8-01F21389642F}" sibTransId="{45F55EEE-5580-4E73-8E98-66E478CD87C1}"/>
     <dgm:cxn modelId="{AB438406-B296-4084-BFA9-08A163649541}" type="presOf" srcId="{1EF078ED-F045-4194-BA8A-F829E8CB60C5}" destId="{09623DE2-CC76-4AD9-970E-64C94525F95C}" srcOrd="0" destOrd="0" presId="urn:microsoft.com/office/officeart/2018/2/layout/IconVerticalSolidList"/>
-    <dgm:cxn modelId="{81CB3512-FDA5-4E3D-9241-11E9954ED94C}" type="presOf" srcId="{5388B94D-1DB0-4AB9-BC56-703A428FE917}" destId="{47503E42-AB3A-4CAB-BD34-948F845D37AE}" srcOrd="0" destOrd="0" presId="urn:microsoft.com/office/officeart/2018/2/layout/IconVerticalSolidList"/>
-    <dgm:cxn modelId="{0AF5191D-6D19-401B-8EE6-C4361946143C}" srcId="{4A1450A7-E589-4F6E-9DDB-9EBCF82BC9AD}" destId="{41FCDC72-4B09-4F08-A8D2-F3FAD3CC2AE0}" srcOrd="2" destOrd="0" parTransId="{0502B63D-EA27-4FD2-ADB4-524D269D129F}" sibTransId="{FE80CA98-01FC-4D3B-BEDA-7244412FF183}"/>
+    <dgm:cxn modelId="{9955412E-5E27-4266-B8A8-7F32E337410B}" type="presOf" srcId="{3722D847-9B47-4473-BFE2-EF3135DEEE4C}" destId="{505EAC43-413C-4D43-A9FB-4D27816023C4}" srcOrd="0" destOrd="0" presId="urn:microsoft.com/office/officeart/2018/2/layout/IconVerticalSolidList"/>
+    <dgm:cxn modelId="{53263A4E-6D99-4623-9F03-38E5E8D12FFF}" srcId="{1D1D3202-59C7-4497-B467-1C0937D3232D}" destId="{895A94BC-23C2-408C-A2C1-1DD739FA625B}" srcOrd="0" destOrd="0" parTransId="{7D3733BE-3DEE-4252-BC5F-FBFC8737D245}" sibTransId="{AB9BA4D0-EBC6-4472-99EF-8C31A137EBF5}"/>
     <dgm:cxn modelId="{C14C812D-800E-4011-BEEE-0DFBBE137FD5}" srcId="{4A1450A7-E589-4F6E-9DDB-9EBCF82BC9AD}" destId="{ED0A5668-5242-436D-9A0A-B3C27164B710}" srcOrd="0" destOrd="0" parTransId="{42CF9D97-51F7-4B56-A0FD-FB98EC5684EA}" sibTransId="{2BE19CA0-7A96-41BC-B032-3E9391984629}"/>
-    <dgm:cxn modelId="{9955412E-5E27-4266-B8A8-7F32E337410B}" type="presOf" srcId="{3722D847-9B47-4473-BFE2-EF3135DEEE4C}" destId="{505EAC43-413C-4D43-A9FB-4D27816023C4}" srcOrd="0" destOrd="0" presId="urn:microsoft.com/office/officeart/2018/2/layout/IconVerticalSolidList"/>
     <dgm:cxn modelId="{CBE37637-7DBB-46E3-83A1-1C342A2BEF0A}" type="presOf" srcId="{4A1450A7-E589-4F6E-9DDB-9EBCF82BC9AD}" destId="{9434D2AA-6506-4074-A96B-CC25DF8426FC}" srcOrd="0" destOrd="0" presId="urn:microsoft.com/office/officeart/2018/2/layout/IconVerticalSolidList"/>
+    <dgm:cxn modelId="{E20B62EA-C27A-4A6B-BCBC-DF57D7F03B02}" type="presOf" srcId="{55430BDA-6BBE-4950-9F37-B997C30E38C5}" destId="{10FF0D4E-5554-44AB-A132-412A4E6F47B3}" srcOrd="0" destOrd="0" presId="urn:microsoft.com/office/officeart/2018/2/layout/IconVerticalSolidList"/>
+    <dgm:cxn modelId="{E077D966-F62A-47E0-9ADB-B64C557D40FB}" srcId="{5388B94D-1DB0-4AB9-BC56-703A428FE917}" destId="{1D1D3202-59C7-4497-B467-1C0937D3232D}" srcOrd="2" destOrd="0" parTransId="{FFE1EF31-3421-4036-8948-28AF5BC517B2}" sibTransId="{37F42DC2-11D3-4069-835A-038CD713E68A}"/>
     <dgm:cxn modelId="{FBA9E23A-8C64-46DB-80A5-684B9A675D0A}" type="presOf" srcId="{ED0A5668-5242-436D-9A0A-B3C27164B710}" destId="{C89913FB-8E59-48C0-A3D3-8820F934C3C9}" srcOrd="0" destOrd="0" presId="urn:microsoft.com/office/officeart/2018/2/layout/IconVerticalSolidList"/>
-    <dgm:cxn modelId="{0F2C1B3F-6F8A-477A-BD12-0AE16F831F22}" srcId="{3722D847-9B47-4473-BFE2-EF3135DEEE4C}" destId="{1EF078ED-F045-4194-BA8A-F829E8CB60C5}" srcOrd="0" destOrd="0" parTransId="{1A75D27D-5362-4F3A-BA8E-49ACA0A1FCB4}" sibTransId="{4A9D4B7B-48E2-4ED2-8C69-B7C8DBFA5C57}"/>
-    <dgm:cxn modelId="{16A59B5D-DAF9-4838-A608-924DD6FF71B4}" type="presOf" srcId="{1D1D3202-59C7-4497-B467-1C0937D3232D}" destId="{4CF258C1-0AB6-457B-B8D9-BAEFA146899C}" srcOrd="0" destOrd="0" presId="urn:microsoft.com/office/officeart/2018/2/layout/IconVerticalSolidList"/>
-    <dgm:cxn modelId="{D603DF5E-F313-4543-86B6-966F50FB4133}" srcId="{3722D847-9B47-4473-BFE2-EF3135DEEE4C}" destId="{E4696AED-F761-41A4-8C7F-63F8E38775A7}" srcOrd="1" destOrd="0" parTransId="{9E283F18-1B30-466D-B2EB-4C0CB86C7063}" sibTransId="{0FAC0163-7DC7-47EB-97C5-CE19B29436CF}"/>
-    <dgm:cxn modelId="{2CCAC945-95B0-4C82-84F0-2370901217E4}" type="presOf" srcId="{895A94BC-23C2-408C-A2C1-1DD739FA625B}" destId="{F27F44C1-55C9-44D6-B9A7-5D3D6F52AAC0}" srcOrd="0" destOrd="0" presId="urn:microsoft.com/office/officeart/2018/2/layout/IconVerticalSolidList"/>
-    <dgm:cxn modelId="{E077D966-F62A-47E0-9ADB-B64C557D40FB}" srcId="{5388B94D-1DB0-4AB9-BC56-703A428FE917}" destId="{1D1D3202-59C7-4497-B467-1C0937D3232D}" srcOrd="2" destOrd="0" parTransId="{FFE1EF31-3421-4036-8948-28AF5BC517B2}" sibTransId="{37F42DC2-11D3-4069-835A-038CD713E68A}"/>
-    <dgm:cxn modelId="{53263A4E-6D99-4623-9F03-38E5E8D12FFF}" srcId="{1D1D3202-59C7-4497-B467-1C0937D3232D}" destId="{895A94BC-23C2-408C-A2C1-1DD739FA625B}" srcOrd="0" destOrd="0" parTransId="{7D3733BE-3DEE-4252-BC5F-FBFC8737D245}" sibTransId="{AB9BA4D0-EBC6-4472-99EF-8C31A137EBF5}"/>
-    <dgm:cxn modelId="{08DEC16E-FBFD-4BAF-BB24-D808C80FF8B7}" srcId="{5388B94D-1DB0-4AB9-BC56-703A428FE917}" destId="{3722D847-9B47-4473-BFE2-EF3135DEEE4C}" srcOrd="1" destOrd="0" parTransId="{D31D4990-3E4F-4B23-A1DA-CDCB7095951D}" sibTransId="{4818DE78-155C-4F1E-95F4-837088D21576}"/>
-    <dgm:cxn modelId="{66299156-C45C-4C1A-AA57-97D928A8586C}" type="presOf" srcId="{41FCDC72-4B09-4F08-A8D2-F3FAD3CC2AE0}" destId="{C89913FB-8E59-48C0-A3D3-8820F934C3C9}" srcOrd="0" destOrd="2" presId="urn:microsoft.com/office/officeart/2018/2/layout/IconVerticalSolidList"/>
-    <dgm:cxn modelId="{3A044C81-45E1-4E7D-A86E-4021F6B03BE7}" srcId="{5388B94D-1DB0-4AB9-BC56-703A428FE917}" destId="{55430BDA-6BBE-4950-9F37-B997C30E38C5}" srcOrd="3" destOrd="0" parTransId="{08884883-4D9A-4740-BFC8-01F21389642F}" sibTransId="{45F55EEE-5580-4E73-8E98-66E478CD87C1}"/>
     <dgm:cxn modelId="{D5D8D581-D8C0-4C1F-824B-65E0962732CD}" type="presOf" srcId="{D8DAF1F3-B38A-4BD5-AFE1-BB06B6022CDC}" destId="{C89913FB-8E59-48C0-A3D3-8820F934C3C9}" srcOrd="0" destOrd="1" presId="urn:microsoft.com/office/officeart/2018/2/layout/IconVerticalSolidList"/>
-    <dgm:cxn modelId="{AAD6748C-740B-467F-BF17-C65354E594BD}" type="presOf" srcId="{E4696AED-F761-41A4-8C7F-63F8E38775A7}" destId="{09623DE2-CC76-4AD9-970E-64C94525F95C}" srcOrd="0" destOrd="1" presId="urn:microsoft.com/office/officeart/2018/2/layout/IconVerticalSolidList"/>
-    <dgm:cxn modelId="{8E8821AA-79C9-4B54-98E2-0B0DB67FB479}" srcId="{4A1450A7-E589-4F6E-9DDB-9EBCF82BC9AD}" destId="{D8DAF1F3-B38A-4BD5-AFE1-BB06B6022CDC}" srcOrd="1" destOrd="0" parTransId="{8DA3D352-8612-4100-825D-E255189A29E4}" sibTransId="{FAA28235-8B64-47DC-9D1B-192BF706241B}"/>
-    <dgm:cxn modelId="{21583AAA-6BCC-4579-B3DE-F7CF0EA6A825}" srcId="{3722D847-9B47-4473-BFE2-EF3135DEEE4C}" destId="{0B4BFA04-8C32-4789-BD5F-33118E21F898}" srcOrd="2" destOrd="0" parTransId="{6417F708-2531-4D0D-B95F-229EF2CAA25B}" sibTransId="{CAC4CA6C-167C-4D2D-8CE4-D69358800482}"/>
-    <dgm:cxn modelId="{24D075D8-1829-4A3C-A0FB-93F42D79C43B}" type="presOf" srcId="{0B4BFA04-8C32-4789-BD5F-33118E21F898}" destId="{09623DE2-CC76-4AD9-970E-64C94525F95C}" srcOrd="0" destOrd="2" presId="urn:microsoft.com/office/officeart/2018/2/layout/IconVerticalSolidList"/>
-    <dgm:cxn modelId="{E20B62EA-C27A-4A6B-BCBC-DF57D7F03B02}" type="presOf" srcId="{55430BDA-6BBE-4950-9F37-B997C30E38C5}" destId="{10FF0D4E-5554-44AB-A132-412A4E6F47B3}" srcOrd="0" destOrd="0" presId="urn:microsoft.com/office/officeart/2018/2/layout/IconVerticalSolidList"/>
-    <dgm:cxn modelId="{B5F045EB-7935-4E0F-BC03-25A2292389F8}" srcId="{5388B94D-1DB0-4AB9-BC56-703A428FE917}" destId="{4A1450A7-E589-4F6E-9DDB-9EBCF82BC9AD}" srcOrd="0" destOrd="0" parTransId="{7DEDB0F0-0769-44A3-9A8B-EA0320452031}" sibTransId="{E5F25935-EFC4-4B60-B7CB-79EDE2E1F853}"/>
     <dgm:cxn modelId="{C291EBEA-AB2C-4130-B3E0-DDC1451F20B7}" type="presParOf" srcId="{47503E42-AB3A-4CAB-BD34-948F845D37AE}" destId="{E3CC0873-98CE-4FD3-B6EE-1C7F666DAC30}" srcOrd="0" destOrd="0" presId="urn:microsoft.com/office/officeart/2018/2/layout/IconVerticalSolidList"/>
     <dgm:cxn modelId="{A0F3BDD0-3342-47E6-8252-112BE5CB9F11}" type="presParOf" srcId="{E3CC0873-98CE-4FD3-B6EE-1C7F666DAC30}" destId="{3980CFCC-4813-40C4-B198-D600CC14E544}" srcOrd="0" destOrd="0" presId="urn:microsoft.com/office/officeart/2018/2/layout/IconVerticalSolidList"/>
     <dgm:cxn modelId="{01A872A6-A1A1-4255-9CFE-93647A62261D}" type="presParOf" srcId="{E3CC0873-98CE-4FD3-B6EE-1C7F666DAC30}" destId="{A304FE5D-5DC4-4889-8C29-42560B2D6373}" srcOrd="1" destOrd="0" presId="urn:microsoft.com/office/officeart/2018/2/layout/IconVerticalSolidList"/>
@@ -1845,881 +1901,6 @@
       <dsp:cNvGrpSpPr/>
     </dsp:nvGrpSpPr>
     <dsp:grpSpPr/>
-    <dsp:sp modelId="{3980CFCC-4813-40C4-B198-D600CC14E544}">
-      <dsp:nvSpPr>
-        <dsp:cNvPr id="0" name=""/>
-        <dsp:cNvSpPr/>
-      </dsp:nvSpPr>
-      <dsp:spPr>
-        <a:xfrm>
-          <a:off x="0" y="2442"/>
-          <a:ext cx="6513603" cy="1238008"/>
-        </a:xfrm>
-        <a:prstGeom prst="roundRect">
-          <a:avLst>
-            <a:gd name="adj" fmla="val 10000"/>
-          </a:avLst>
-        </a:prstGeom>
-        <a:solidFill>
-          <a:schemeClr val="accent2">
-            <a:hueOff val="0"/>
-            <a:satOff val="0"/>
-            <a:lumOff val="0"/>
-            <a:alphaOff val="0"/>
-          </a:schemeClr>
-        </a:solidFill>
-        <a:ln>
-          <a:noFill/>
-        </a:ln>
-        <a:effectLst/>
-      </dsp:spPr>
-      <dsp:style>
-        <a:lnRef idx="0">
-          <a:scrgbClr r="0" g="0" b="0"/>
-        </a:lnRef>
-        <a:fillRef idx="1">
-          <a:scrgbClr r="0" g="0" b="0"/>
-        </a:fillRef>
-        <a:effectRef idx="0">
-          <a:scrgbClr r="0" g="0" b="0"/>
-        </a:effectRef>
-        <a:fontRef idx="minor"/>
-      </dsp:style>
-    </dsp:sp>
-    <dsp:sp modelId="{A304FE5D-5DC4-4889-8C29-42560B2D6373}">
-      <dsp:nvSpPr>
-        <dsp:cNvPr id="0" name=""/>
-        <dsp:cNvSpPr/>
-      </dsp:nvSpPr>
-      <dsp:spPr>
-        <a:xfrm>
-          <a:off x="374497" y="280994"/>
-          <a:ext cx="680904" cy="680904"/>
-        </a:xfrm>
-        <a:prstGeom prst="rect">
-          <a:avLst/>
-        </a:prstGeom>
-        <a:blipFill>
-          <a:blip xmlns:r="http://schemas.openxmlformats.org/officeDocument/2006/relationships" r:embed="rId1">
-            <a:extLst>
-              <a:ext uri="{28A0092B-C50C-407E-A947-70E740481C1C}">
-                <a14:useLocalDpi xmlns:a14="http://schemas.microsoft.com/office/drawing/2010/main" val="0"/>
-              </a:ext>
-              <a:ext uri="{96DAC541-7B7A-43D3-8B79-37D633B846F1}">
-                <asvg:svgBlip xmlns:asvg="http://schemas.microsoft.com/office/drawing/2016/SVG/main" r:embed="rId2"/>
-              </a:ext>
-            </a:extLst>
-          </a:blip>
-          <a:stretch>
-            <a:fillRect/>
-          </a:stretch>
-        </a:blipFill>
-        <a:ln w="12700" cap="flat" cmpd="sng" algn="ctr">
-          <a:noFill/>
-          <a:prstDash val="solid"/>
-          <a:miter lim="800000"/>
-        </a:ln>
-        <a:effectLst/>
-      </dsp:spPr>
-      <dsp:style>
-        <a:lnRef idx="2">
-          <a:scrgbClr r="0" g="0" b="0"/>
-        </a:lnRef>
-        <a:fillRef idx="1">
-          <a:scrgbClr r="0" g="0" b="0"/>
-        </a:fillRef>
-        <a:effectRef idx="0">
-          <a:scrgbClr r="0" g="0" b="0"/>
-        </a:effectRef>
-        <a:fontRef idx="minor">
-          <a:schemeClr val="lt1"/>
-        </a:fontRef>
-      </dsp:style>
-    </dsp:sp>
-    <dsp:sp modelId="{9434D2AA-6506-4074-A96B-CC25DF8426FC}">
-      <dsp:nvSpPr>
-        <dsp:cNvPr id="0" name=""/>
-        <dsp:cNvSpPr/>
-      </dsp:nvSpPr>
-      <dsp:spPr>
-        <a:xfrm>
-          <a:off x="1429899" y="2442"/>
-          <a:ext cx="2931121" cy="1238008"/>
-        </a:xfrm>
-        <a:prstGeom prst="rect">
-          <a:avLst/>
-        </a:prstGeom>
-        <a:noFill/>
-        <a:ln>
-          <a:noFill/>
-        </a:ln>
-        <a:effectLst/>
-      </dsp:spPr>
-      <dsp:style>
-        <a:lnRef idx="0">
-          <a:scrgbClr r="0" g="0" b="0"/>
-        </a:lnRef>
-        <a:fillRef idx="0">
-          <a:scrgbClr r="0" g="0" b="0"/>
-        </a:fillRef>
-        <a:effectRef idx="0">
-          <a:scrgbClr r="0" g="0" b="0"/>
-        </a:effectRef>
-        <a:fontRef idx="minor"/>
-      </dsp:style>
-      <dsp:txBody>
-        <a:bodyPr spcFirstLastPara="0" vert="horz" wrap="square" lIns="131023" tIns="131023" rIns="131023" bIns="131023" numCol="1" spcCol="1270" anchor="ctr" anchorCtr="0">
-          <a:noAutofit/>
-        </a:bodyPr>
-        <a:lstStyle/>
-        <a:p>
-          <a:pPr marL="0" lvl="0" indent="0" algn="l" defTabSz="889000">
-            <a:lnSpc>
-              <a:spcPct val="100000"/>
-            </a:lnSpc>
-            <a:spcBef>
-              <a:spcPct val="0"/>
-            </a:spcBef>
-            <a:spcAft>
-              <a:spcPct val="35000"/>
-            </a:spcAft>
-            <a:buNone/>
-          </a:pPr>
-          <a:r>
-            <a:rPr lang="en-NZ" sz="2000" kern="1200"/>
-            <a:t>GitHub</a:t>
-          </a:r>
-          <a:endParaRPr lang="en-US" sz="2000" kern="1200"/>
-        </a:p>
-      </dsp:txBody>
-      <dsp:txXfrm>
-        <a:off x="1429899" y="2442"/>
-        <a:ext cx="2931121" cy="1238008"/>
-      </dsp:txXfrm>
-    </dsp:sp>
-    <dsp:sp modelId="{C89913FB-8E59-48C0-A3D3-8820F934C3C9}">
-      <dsp:nvSpPr>
-        <dsp:cNvPr id="0" name=""/>
-        <dsp:cNvSpPr/>
-      </dsp:nvSpPr>
-      <dsp:spPr>
-        <a:xfrm>
-          <a:off x="4361021" y="2442"/>
-          <a:ext cx="2152582" cy="1238008"/>
-        </a:xfrm>
-        <a:prstGeom prst="rect">
-          <a:avLst/>
-        </a:prstGeom>
-        <a:noFill/>
-        <a:ln>
-          <a:noFill/>
-        </a:ln>
-        <a:effectLst/>
-      </dsp:spPr>
-      <dsp:style>
-        <a:lnRef idx="0">
-          <a:scrgbClr r="0" g="0" b="0"/>
-        </a:lnRef>
-        <a:fillRef idx="0">
-          <a:scrgbClr r="0" g="0" b="0"/>
-        </a:fillRef>
-        <a:effectRef idx="0">
-          <a:scrgbClr r="0" g="0" b="0"/>
-        </a:effectRef>
-        <a:fontRef idx="minor"/>
-      </dsp:style>
-      <dsp:txBody>
-        <a:bodyPr spcFirstLastPara="0" vert="horz" wrap="square" lIns="131023" tIns="131023" rIns="131023" bIns="131023" numCol="1" spcCol="1270" anchor="ctr" anchorCtr="0">
-          <a:noAutofit/>
-        </a:bodyPr>
-        <a:lstStyle/>
-        <a:p>
-          <a:pPr marL="0" lvl="0" indent="0" algn="l" defTabSz="488950">
-            <a:lnSpc>
-              <a:spcPct val="100000"/>
-            </a:lnSpc>
-            <a:spcBef>
-              <a:spcPct val="0"/>
-            </a:spcBef>
-            <a:spcAft>
-              <a:spcPct val="35000"/>
-            </a:spcAft>
-            <a:buNone/>
-          </a:pPr>
-          <a:r>
-            <a:rPr lang="en-NZ" sz="1100" kern="1200"/>
-            <a:t>Repository zur Organisation</a:t>
-          </a:r>
-          <a:endParaRPr lang="en-US" sz="1100" kern="1200"/>
-        </a:p>
-        <a:p>
-          <a:pPr marL="0" lvl="0" indent="0" algn="l" defTabSz="488950">
-            <a:lnSpc>
-              <a:spcPct val="100000"/>
-            </a:lnSpc>
-            <a:spcBef>
-              <a:spcPct val="0"/>
-            </a:spcBef>
-            <a:spcAft>
-              <a:spcPct val="35000"/>
-            </a:spcAft>
-            <a:buNone/>
-          </a:pPr>
-          <a:r>
-            <a:rPr lang="en-NZ" sz="1100" kern="1200"/>
-            <a:t>Nutzung von GitHub-Pages zur teaminternen Dokumentation</a:t>
-          </a:r>
-          <a:endParaRPr lang="en-US" sz="1100" kern="1200"/>
-        </a:p>
-        <a:p>
-          <a:pPr marL="0" lvl="0" indent="0" algn="l" defTabSz="488950">
-            <a:lnSpc>
-              <a:spcPct val="100000"/>
-            </a:lnSpc>
-            <a:spcBef>
-              <a:spcPct val="0"/>
-            </a:spcBef>
-            <a:spcAft>
-              <a:spcPct val="35000"/>
-            </a:spcAft>
-            <a:buNone/>
-          </a:pPr>
-          <a:r>
-            <a:rPr lang="en-NZ" sz="1100" kern="1200"/>
-            <a:t>Kanban-Board</a:t>
-          </a:r>
-          <a:endParaRPr lang="en-US" sz="1100" kern="1200"/>
-        </a:p>
-      </dsp:txBody>
-      <dsp:txXfrm>
-        <a:off x="4361021" y="2442"/>
-        <a:ext cx="2152582" cy="1238008"/>
-      </dsp:txXfrm>
-    </dsp:sp>
-    <dsp:sp modelId="{F5F4EDFC-14D8-46B8-87FA-58D2CDF3D6A4}">
-      <dsp:nvSpPr>
-        <dsp:cNvPr id="0" name=""/>
-        <dsp:cNvSpPr/>
-      </dsp:nvSpPr>
-      <dsp:spPr>
-        <a:xfrm>
-          <a:off x="0" y="1549953"/>
-          <a:ext cx="6513603" cy="1238008"/>
-        </a:xfrm>
-        <a:prstGeom prst="roundRect">
-          <a:avLst>
-            <a:gd name="adj" fmla="val 10000"/>
-          </a:avLst>
-        </a:prstGeom>
-        <a:solidFill>
-          <a:schemeClr val="accent3">
-            <a:hueOff val="0"/>
-            <a:satOff val="0"/>
-            <a:lumOff val="0"/>
-            <a:alphaOff val="0"/>
-          </a:schemeClr>
-        </a:solidFill>
-        <a:ln>
-          <a:noFill/>
-        </a:ln>
-        <a:effectLst/>
-      </dsp:spPr>
-      <dsp:style>
-        <a:lnRef idx="0">
-          <a:scrgbClr r="0" g="0" b="0"/>
-        </a:lnRef>
-        <a:fillRef idx="1">
-          <a:scrgbClr r="0" g="0" b="0"/>
-        </a:fillRef>
-        <a:effectRef idx="0">
-          <a:scrgbClr r="0" g="0" b="0"/>
-        </a:effectRef>
-        <a:fontRef idx="minor"/>
-      </dsp:style>
-    </dsp:sp>
-    <dsp:sp modelId="{6F52AB5E-3698-4A47-B07A-55861AC5188A}">
-      <dsp:nvSpPr>
-        <dsp:cNvPr id="0" name=""/>
-        <dsp:cNvSpPr/>
-      </dsp:nvSpPr>
-      <dsp:spPr>
-        <a:xfrm>
-          <a:off x="374497" y="1828505"/>
-          <a:ext cx="680904" cy="680904"/>
-        </a:xfrm>
-        <a:prstGeom prst="rect">
-          <a:avLst/>
-        </a:prstGeom>
-        <a:blipFill>
-          <a:blip xmlns:r="http://schemas.openxmlformats.org/officeDocument/2006/relationships" r:embed="rId3">
-            <a:extLst>
-              <a:ext uri="{28A0092B-C50C-407E-A947-70E740481C1C}">
-                <a14:useLocalDpi xmlns:a14="http://schemas.microsoft.com/office/drawing/2010/main" val="0"/>
-              </a:ext>
-              <a:ext uri="{96DAC541-7B7A-43D3-8B79-37D633B846F1}">
-                <asvg:svgBlip xmlns:asvg="http://schemas.microsoft.com/office/drawing/2016/SVG/main" r:embed="rId4"/>
-              </a:ext>
-            </a:extLst>
-          </a:blip>
-          <a:stretch>
-            <a:fillRect/>
-          </a:stretch>
-        </a:blipFill>
-        <a:ln w="12700" cap="flat" cmpd="sng" algn="ctr">
-          <a:noFill/>
-          <a:prstDash val="solid"/>
-          <a:miter lim="800000"/>
-        </a:ln>
-        <a:effectLst/>
-      </dsp:spPr>
-      <dsp:style>
-        <a:lnRef idx="2">
-          <a:scrgbClr r="0" g="0" b="0"/>
-        </a:lnRef>
-        <a:fillRef idx="1">
-          <a:scrgbClr r="0" g="0" b="0"/>
-        </a:fillRef>
-        <a:effectRef idx="0">
-          <a:scrgbClr r="0" g="0" b="0"/>
-        </a:effectRef>
-        <a:fontRef idx="minor">
-          <a:schemeClr val="lt1"/>
-        </a:fontRef>
-      </dsp:style>
-    </dsp:sp>
-    <dsp:sp modelId="{505EAC43-413C-4D43-A9FB-4D27816023C4}">
-      <dsp:nvSpPr>
-        <dsp:cNvPr id="0" name=""/>
-        <dsp:cNvSpPr/>
-      </dsp:nvSpPr>
-      <dsp:spPr>
-        <a:xfrm>
-          <a:off x="1429899" y="1549953"/>
-          <a:ext cx="2931121" cy="1238008"/>
-        </a:xfrm>
-        <a:prstGeom prst="rect">
-          <a:avLst/>
-        </a:prstGeom>
-        <a:noFill/>
-        <a:ln>
-          <a:noFill/>
-        </a:ln>
-        <a:effectLst/>
-      </dsp:spPr>
-      <dsp:style>
-        <a:lnRef idx="0">
-          <a:scrgbClr r="0" g="0" b="0"/>
-        </a:lnRef>
-        <a:fillRef idx="0">
-          <a:scrgbClr r="0" g="0" b="0"/>
-        </a:fillRef>
-        <a:effectRef idx="0">
-          <a:scrgbClr r="0" g="0" b="0"/>
-        </a:effectRef>
-        <a:fontRef idx="minor"/>
-      </dsp:style>
-      <dsp:txBody>
-        <a:bodyPr spcFirstLastPara="0" vert="horz" wrap="square" lIns="131023" tIns="131023" rIns="131023" bIns="131023" numCol="1" spcCol="1270" anchor="ctr" anchorCtr="0">
-          <a:noAutofit/>
-        </a:bodyPr>
-        <a:lstStyle/>
-        <a:p>
-          <a:pPr marL="0" lvl="0" indent="0" algn="l" defTabSz="889000">
-            <a:lnSpc>
-              <a:spcPct val="100000"/>
-            </a:lnSpc>
-            <a:spcBef>
-              <a:spcPct val="0"/>
-            </a:spcBef>
-            <a:spcAft>
-              <a:spcPct val="35000"/>
-            </a:spcAft>
-            <a:buNone/>
-          </a:pPr>
-          <a:r>
-            <a:rPr lang="de-DE" sz="2000" kern="1200"/>
-            <a:t>WhatsApp</a:t>
-          </a:r>
-          <a:endParaRPr lang="en-US" sz="2000" kern="1200"/>
-        </a:p>
-      </dsp:txBody>
-      <dsp:txXfrm>
-        <a:off x="1429899" y="1549953"/>
-        <a:ext cx="2931121" cy="1238008"/>
-      </dsp:txXfrm>
-    </dsp:sp>
-    <dsp:sp modelId="{09623DE2-CC76-4AD9-970E-64C94525F95C}">
-      <dsp:nvSpPr>
-        <dsp:cNvPr id="0" name=""/>
-        <dsp:cNvSpPr/>
-      </dsp:nvSpPr>
-      <dsp:spPr>
-        <a:xfrm>
-          <a:off x="4361021" y="1549953"/>
-          <a:ext cx="2152582" cy="1238008"/>
-        </a:xfrm>
-        <a:prstGeom prst="rect">
-          <a:avLst/>
-        </a:prstGeom>
-        <a:noFill/>
-        <a:ln>
-          <a:noFill/>
-        </a:ln>
-        <a:effectLst/>
-      </dsp:spPr>
-      <dsp:style>
-        <a:lnRef idx="0">
-          <a:scrgbClr r="0" g="0" b="0"/>
-        </a:lnRef>
-        <a:fillRef idx="0">
-          <a:scrgbClr r="0" g="0" b="0"/>
-        </a:fillRef>
-        <a:effectRef idx="0">
-          <a:scrgbClr r="0" g="0" b="0"/>
-        </a:effectRef>
-        <a:fontRef idx="minor"/>
-      </dsp:style>
-      <dsp:txBody>
-        <a:bodyPr spcFirstLastPara="0" vert="horz" wrap="square" lIns="131023" tIns="131023" rIns="131023" bIns="131023" numCol="1" spcCol="1270" anchor="ctr" anchorCtr="0">
-          <a:noAutofit/>
-        </a:bodyPr>
-        <a:lstStyle/>
-        <a:p>
-          <a:pPr marL="0" lvl="0" indent="0" algn="l" defTabSz="488950">
-            <a:lnSpc>
-              <a:spcPct val="100000"/>
-            </a:lnSpc>
-            <a:spcBef>
-              <a:spcPct val="0"/>
-            </a:spcBef>
-            <a:spcAft>
-              <a:spcPct val="35000"/>
-            </a:spcAft>
-            <a:buNone/>
-          </a:pPr>
-          <a:r>
-            <a:rPr lang="de-DE" sz="1100" kern="1200"/>
-            <a:t>Grobe Absprachen</a:t>
-          </a:r>
-          <a:endParaRPr lang="en-US" sz="1100" kern="1200"/>
-        </a:p>
-        <a:p>
-          <a:pPr marL="0" lvl="0" indent="0" algn="l" defTabSz="488950">
-            <a:lnSpc>
-              <a:spcPct val="100000"/>
-            </a:lnSpc>
-            <a:spcBef>
-              <a:spcPct val="0"/>
-            </a:spcBef>
-            <a:spcAft>
-              <a:spcPct val="35000"/>
-            </a:spcAft>
-            <a:buNone/>
-          </a:pPr>
-          <a:r>
-            <a:rPr lang="de-DE" sz="1100" kern="1200"/>
-            <a:t>Terminplanung</a:t>
-          </a:r>
-          <a:endParaRPr lang="en-US" sz="1100" kern="1200"/>
-        </a:p>
-        <a:p>
-          <a:pPr marL="0" lvl="0" indent="0" algn="l" defTabSz="488950">
-            <a:lnSpc>
-              <a:spcPct val="100000"/>
-            </a:lnSpc>
-            <a:spcBef>
-              <a:spcPct val="0"/>
-            </a:spcBef>
-            <a:spcAft>
-              <a:spcPct val="35000"/>
-            </a:spcAft>
-            <a:buNone/>
-          </a:pPr>
-          <a:r>
-            <a:rPr lang="de-DE" sz="1100" kern="1200"/>
-            <a:t>Kommunikation</a:t>
-          </a:r>
-          <a:endParaRPr lang="en-US" sz="1100" kern="1200"/>
-        </a:p>
-      </dsp:txBody>
-      <dsp:txXfrm>
-        <a:off x="4361021" y="1549953"/>
-        <a:ext cx="2152582" cy="1238008"/>
-      </dsp:txXfrm>
-    </dsp:sp>
-    <dsp:sp modelId="{23B09F23-D895-49A3-B3E9-AD224F715411}">
-      <dsp:nvSpPr>
-        <dsp:cNvPr id="0" name=""/>
-        <dsp:cNvSpPr/>
-      </dsp:nvSpPr>
-      <dsp:spPr>
-        <a:xfrm>
-          <a:off x="0" y="3097464"/>
-          <a:ext cx="6513603" cy="1238008"/>
-        </a:xfrm>
-        <a:prstGeom prst="roundRect">
-          <a:avLst>
-            <a:gd name="adj" fmla="val 10000"/>
-          </a:avLst>
-        </a:prstGeom>
-        <a:solidFill>
-          <a:schemeClr val="accent4">
-            <a:hueOff val="0"/>
-            <a:satOff val="0"/>
-            <a:lumOff val="0"/>
-            <a:alphaOff val="0"/>
-          </a:schemeClr>
-        </a:solidFill>
-        <a:ln>
-          <a:noFill/>
-        </a:ln>
-        <a:effectLst/>
-      </dsp:spPr>
-      <dsp:style>
-        <a:lnRef idx="0">
-          <a:scrgbClr r="0" g="0" b="0"/>
-        </a:lnRef>
-        <a:fillRef idx="1">
-          <a:scrgbClr r="0" g="0" b="0"/>
-        </a:fillRef>
-        <a:effectRef idx="0">
-          <a:scrgbClr r="0" g="0" b="0"/>
-        </a:effectRef>
-        <a:fontRef idx="minor"/>
-      </dsp:style>
-    </dsp:sp>
-    <dsp:sp modelId="{708E8AF5-EB2E-4FDB-9D46-5E70B5AFB5B7}">
-      <dsp:nvSpPr>
-        <dsp:cNvPr id="0" name=""/>
-        <dsp:cNvSpPr/>
-      </dsp:nvSpPr>
-      <dsp:spPr>
-        <a:xfrm>
-          <a:off x="374497" y="3376015"/>
-          <a:ext cx="680904" cy="680904"/>
-        </a:xfrm>
-        <a:prstGeom prst="rect">
-          <a:avLst/>
-        </a:prstGeom>
-        <a:blipFill>
-          <a:blip xmlns:r="http://schemas.openxmlformats.org/officeDocument/2006/relationships" r:embed="rId5">
-            <a:extLst>
-              <a:ext uri="{28A0092B-C50C-407E-A947-70E740481C1C}">
-                <a14:useLocalDpi xmlns:a14="http://schemas.microsoft.com/office/drawing/2010/main" val="0"/>
-              </a:ext>
-              <a:ext uri="{96DAC541-7B7A-43D3-8B79-37D633B846F1}">
-                <asvg:svgBlip xmlns:asvg="http://schemas.microsoft.com/office/drawing/2016/SVG/main" r:embed="rId6"/>
-              </a:ext>
-            </a:extLst>
-          </a:blip>
-          <a:stretch>
-            <a:fillRect/>
-          </a:stretch>
-        </a:blipFill>
-        <a:ln w="12700" cap="flat" cmpd="sng" algn="ctr">
-          <a:noFill/>
-          <a:prstDash val="solid"/>
-          <a:miter lim="800000"/>
-        </a:ln>
-        <a:effectLst/>
-      </dsp:spPr>
-      <dsp:style>
-        <a:lnRef idx="2">
-          <a:scrgbClr r="0" g="0" b="0"/>
-        </a:lnRef>
-        <a:fillRef idx="1">
-          <a:scrgbClr r="0" g="0" b="0"/>
-        </a:fillRef>
-        <a:effectRef idx="0">
-          <a:scrgbClr r="0" g="0" b="0"/>
-        </a:effectRef>
-        <a:fontRef idx="minor">
-          <a:schemeClr val="lt1"/>
-        </a:fontRef>
-      </dsp:style>
-    </dsp:sp>
-    <dsp:sp modelId="{4CF258C1-0AB6-457B-B8D9-BAEFA146899C}">
-      <dsp:nvSpPr>
-        <dsp:cNvPr id="0" name=""/>
-        <dsp:cNvSpPr/>
-      </dsp:nvSpPr>
-      <dsp:spPr>
-        <a:xfrm>
-          <a:off x="1429899" y="3097464"/>
-          <a:ext cx="2931121" cy="1238008"/>
-        </a:xfrm>
-        <a:prstGeom prst="rect">
-          <a:avLst/>
-        </a:prstGeom>
-        <a:noFill/>
-        <a:ln>
-          <a:noFill/>
-        </a:ln>
-        <a:effectLst/>
-      </dsp:spPr>
-      <dsp:style>
-        <a:lnRef idx="0">
-          <a:scrgbClr r="0" g="0" b="0"/>
-        </a:lnRef>
-        <a:fillRef idx="0">
-          <a:scrgbClr r="0" g="0" b="0"/>
-        </a:fillRef>
-        <a:effectRef idx="0">
-          <a:scrgbClr r="0" g="0" b="0"/>
-        </a:effectRef>
-        <a:fontRef idx="minor"/>
-      </dsp:style>
-      <dsp:txBody>
-        <a:bodyPr spcFirstLastPara="0" vert="horz" wrap="square" lIns="131023" tIns="131023" rIns="131023" bIns="131023" numCol="1" spcCol="1270" anchor="ctr" anchorCtr="0">
-          <a:noAutofit/>
-        </a:bodyPr>
-        <a:lstStyle/>
-        <a:p>
-          <a:pPr marL="0" lvl="0" indent="0" algn="l" defTabSz="889000">
-            <a:lnSpc>
-              <a:spcPct val="100000"/>
-            </a:lnSpc>
-            <a:spcBef>
-              <a:spcPct val="0"/>
-            </a:spcBef>
-            <a:spcAft>
-              <a:spcPct val="35000"/>
-            </a:spcAft>
-            <a:buNone/>
-          </a:pPr>
-          <a:r>
-            <a:rPr lang="de-DE" sz="2000" kern="1200"/>
-            <a:t>TeamSpeak/TeamViewer</a:t>
-          </a:r>
-          <a:endParaRPr lang="en-US" sz="2000" kern="1200"/>
-        </a:p>
-      </dsp:txBody>
-      <dsp:txXfrm>
-        <a:off x="1429899" y="3097464"/>
-        <a:ext cx="2931121" cy="1238008"/>
-      </dsp:txXfrm>
-    </dsp:sp>
-    <dsp:sp modelId="{F27F44C1-55C9-44D6-B9A7-5D3D6F52AAC0}">
-      <dsp:nvSpPr>
-        <dsp:cNvPr id="0" name=""/>
-        <dsp:cNvSpPr/>
-      </dsp:nvSpPr>
-      <dsp:spPr>
-        <a:xfrm>
-          <a:off x="4361021" y="3097464"/>
-          <a:ext cx="2152582" cy="1238008"/>
-        </a:xfrm>
-        <a:prstGeom prst="rect">
-          <a:avLst/>
-        </a:prstGeom>
-        <a:noFill/>
-        <a:ln>
-          <a:noFill/>
-        </a:ln>
-        <a:effectLst/>
-      </dsp:spPr>
-      <dsp:style>
-        <a:lnRef idx="0">
-          <a:scrgbClr r="0" g="0" b="0"/>
-        </a:lnRef>
-        <a:fillRef idx="0">
-          <a:scrgbClr r="0" g="0" b="0"/>
-        </a:fillRef>
-        <a:effectRef idx="0">
-          <a:scrgbClr r="0" g="0" b="0"/>
-        </a:effectRef>
-        <a:fontRef idx="minor"/>
-      </dsp:style>
-      <dsp:txBody>
-        <a:bodyPr spcFirstLastPara="0" vert="horz" wrap="square" lIns="131023" tIns="131023" rIns="131023" bIns="131023" numCol="1" spcCol="1270" anchor="ctr" anchorCtr="0">
-          <a:noAutofit/>
-        </a:bodyPr>
-        <a:lstStyle/>
-        <a:p>
-          <a:pPr marL="0" lvl="0" indent="0" algn="l" defTabSz="488950">
-            <a:lnSpc>
-              <a:spcPct val="100000"/>
-            </a:lnSpc>
-            <a:spcBef>
-              <a:spcPct val="0"/>
-            </a:spcBef>
-            <a:spcAft>
-              <a:spcPct val="35000"/>
-            </a:spcAft>
-            <a:buNone/>
-          </a:pPr>
-          <a:r>
-            <a:rPr lang="de-DE" sz="1100" kern="1200"/>
-            <a:t>Meetings außerhalb der FH</a:t>
-          </a:r>
-          <a:endParaRPr lang="en-US" sz="1100" kern="1200"/>
-        </a:p>
-      </dsp:txBody>
-      <dsp:txXfrm>
-        <a:off x="4361021" y="3097464"/>
-        <a:ext cx="2152582" cy="1238008"/>
-      </dsp:txXfrm>
-    </dsp:sp>
-    <dsp:sp modelId="{30C17E48-51FE-49C7-B929-9D41C929FF6D}">
-      <dsp:nvSpPr>
-        <dsp:cNvPr id="0" name=""/>
-        <dsp:cNvSpPr/>
-      </dsp:nvSpPr>
-      <dsp:spPr>
-        <a:xfrm>
-          <a:off x="0" y="4644974"/>
-          <a:ext cx="6513603" cy="1238008"/>
-        </a:xfrm>
-        <a:prstGeom prst="roundRect">
-          <a:avLst>
-            <a:gd name="adj" fmla="val 10000"/>
-          </a:avLst>
-        </a:prstGeom>
-        <a:solidFill>
-          <a:schemeClr val="accent5">
-            <a:hueOff val="0"/>
-            <a:satOff val="0"/>
-            <a:lumOff val="0"/>
-            <a:alphaOff val="0"/>
-          </a:schemeClr>
-        </a:solidFill>
-        <a:ln>
-          <a:noFill/>
-        </a:ln>
-        <a:effectLst/>
-      </dsp:spPr>
-      <dsp:style>
-        <a:lnRef idx="0">
-          <a:scrgbClr r="0" g="0" b="0"/>
-        </a:lnRef>
-        <a:fillRef idx="1">
-          <a:scrgbClr r="0" g="0" b="0"/>
-        </a:fillRef>
-        <a:effectRef idx="0">
-          <a:scrgbClr r="0" g="0" b="0"/>
-        </a:effectRef>
-        <a:fontRef idx="minor"/>
-      </dsp:style>
-    </dsp:sp>
-    <dsp:sp modelId="{6F2FD3DC-7F78-4BCF-A0C9-AA85B575DDFC}">
-      <dsp:nvSpPr>
-        <dsp:cNvPr id="0" name=""/>
-        <dsp:cNvSpPr/>
-      </dsp:nvSpPr>
-      <dsp:spPr>
-        <a:xfrm>
-          <a:off x="374497" y="4923526"/>
-          <a:ext cx="680904" cy="680904"/>
-        </a:xfrm>
-        <a:prstGeom prst="rect">
-          <a:avLst/>
-        </a:prstGeom>
-        <a:blipFill>
-          <a:blip xmlns:r="http://schemas.openxmlformats.org/officeDocument/2006/relationships" r:embed="rId7">
-            <a:extLst>
-              <a:ext uri="{28A0092B-C50C-407E-A947-70E740481C1C}">
-                <a14:useLocalDpi xmlns:a14="http://schemas.microsoft.com/office/drawing/2010/main" val="0"/>
-              </a:ext>
-              <a:ext uri="{96DAC541-7B7A-43D3-8B79-37D633B846F1}">
-                <asvg:svgBlip xmlns:asvg="http://schemas.microsoft.com/office/drawing/2016/SVG/main" r:embed="rId8"/>
-              </a:ext>
-            </a:extLst>
-          </a:blip>
-          <a:stretch>
-            <a:fillRect/>
-          </a:stretch>
-        </a:blipFill>
-        <a:ln w="12700" cap="flat" cmpd="sng" algn="ctr">
-          <a:noFill/>
-          <a:prstDash val="solid"/>
-          <a:miter lim="800000"/>
-        </a:ln>
-        <a:effectLst/>
-      </dsp:spPr>
-      <dsp:style>
-        <a:lnRef idx="2">
-          <a:scrgbClr r="0" g="0" b="0"/>
-        </a:lnRef>
-        <a:fillRef idx="1">
-          <a:scrgbClr r="0" g="0" b="0"/>
-        </a:fillRef>
-        <a:effectRef idx="0">
-          <a:scrgbClr r="0" g="0" b="0"/>
-        </a:effectRef>
-        <a:fontRef idx="minor">
-          <a:schemeClr val="lt1"/>
-        </a:fontRef>
-      </dsp:style>
-    </dsp:sp>
-    <dsp:sp modelId="{10FF0D4E-5554-44AB-A132-412A4E6F47B3}">
-      <dsp:nvSpPr>
-        <dsp:cNvPr id="0" name=""/>
-        <dsp:cNvSpPr/>
-      </dsp:nvSpPr>
-      <dsp:spPr>
-        <a:xfrm>
-          <a:off x="1429899" y="4644974"/>
-          <a:ext cx="5083704" cy="1238008"/>
-        </a:xfrm>
-        <a:prstGeom prst="rect">
-          <a:avLst/>
-        </a:prstGeom>
-        <a:noFill/>
-        <a:ln>
-          <a:noFill/>
-        </a:ln>
-        <a:effectLst/>
-      </dsp:spPr>
-      <dsp:style>
-        <a:lnRef idx="0">
-          <a:scrgbClr r="0" g="0" b="0"/>
-        </a:lnRef>
-        <a:fillRef idx="0">
-          <a:scrgbClr r="0" g="0" b="0"/>
-        </a:fillRef>
-        <a:effectRef idx="0">
-          <a:scrgbClr r="0" g="0" b="0"/>
-        </a:effectRef>
-        <a:fontRef idx="minor"/>
-      </dsp:style>
-      <dsp:txBody>
-        <a:bodyPr spcFirstLastPara="0" vert="horz" wrap="square" lIns="131023" tIns="131023" rIns="131023" bIns="131023" numCol="1" spcCol="1270" anchor="ctr" anchorCtr="0">
-          <a:noAutofit/>
-        </a:bodyPr>
-        <a:lstStyle/>
-        <a:p>
-          <a:pPr marL="0" lvl="0" indent="0" algn="l" defTabSz="889000">
-            <a:lnSpc>
-              <a:spcPct val="100000"/>
-            </a:lnSpc>
-            <a:spcBef>
-              <a:spcPct val="0"/>
-            </a:spcBef>
-            <a:spcAft>
-              <a:spcPct val="35000"/>
-            </a:spcAft>
-            <a:buNone/>
-          </a:pPr>
-          <a:r>
-            <a:rPr lang="de-DE" sz="2000" kern="1200"/>
-            <a:t>Meetings </a:t>
-          </a:r>
-          <a:r>
-            <a:rPr lang="de-DE" sz="2000" b="1" kern="1200"/>
-            <a:t>mindestens</a:t>
-          </a:r>
-          <a:r>
-            <a:rPr lang="de-DE" sz="2000" kern="1200"/>
-            <a:t> einmal die Woche in der FH</a:t>
-          </a:r>
-          <a:endParaRPr lang="en-US" sz="2000" kern="1200"/>
-        </a:p>
-      </dsp:txBody>
-      <dsp:txXfrm>
-        <a:off x="1429899" y="4644974"/>
-        <a:ext cx="5083704" cy="1238008"/>
-      </dsp:txXfrm>
-    </dsp:sp>
   </dsp:spTree>
 </dsp:drawing>
 </file>
@@ -3001,7 +2182,7 @@
   </dgm:layoutNode>
   <dgm:extLst>
     <a:ext uri="{68A01E43-0DF5-4B5B-8FA6-DAF915123BFB}">
-      <dgm1612:lstStyle xmlns:dgm1612="http://schemas.microsoft.com/office/drawing/2016/12/diagram">
+      <dgm1612:lstStyle xmlns:dgm1612="http://schemas.microsoft.com/office/drawing/2016/12/diagram" xmlns="">
         <a:lvl1pPr>
           <a:lnSpc>
             <a:spcPct val="100000"/>
@@ -4592,7 +3773,7 @@
           <p:cNvPr id="2" name="Title 1">
             <a:extLst>
               <a:ext uri="{FF2B5EF4-FFF2-40B4-BE49-F238E27FC236}">
-                <a16:creationId xmlns:a16="http://schemas.microsoft.com/office/drawing/2014/main" id="{046DBCE4-E0EF-4FEE-80D5-A702C3556002}"/>
+                <a16:creationId xmlns:a16="http://schemas.microsoft.com/office/drawing/2014/main" xmlns="" id="{046DBCE4-E0EF-4FEE-80D5-A702C3556002}"/>
               </a:ext>
             </a:extLst>
           </p:cNvPr>
@@ -4630,7 +3811,7 @@
           <p:cNvPr id="3" name="Subtitle 2">
             <a:extLst>
               <a:ext uri="{FF2B5EF4-FFF2-40B4-BE49-F238E27FC236}">
-                <a16:creationId xmlns:a16="http://schemas.microsoft.com/office/drawing/2014/main" id="{7E50572C-23B8-4844-BEA8-67547B46B854}"/>
+                <a16:creationId xmlns:a16="http://schemas.microsoft.com/office/drawing/2014/main" xmlns="" id="{7E50572C-23B8-4844-BEA8-67547B46B854}"/>
               </a:ext>
             </a:extLst>
           </p:cNvPr>
@@ -4701,7 +3882,7 @@
           <p:cNvPr id="4" name="Date Placeholder 3">
             <a:extLst>
               <a:ext uri="{FF2B5EF4-FFF2-40B4-BE49-F238E27FC236}">
-                <a16:creationId xmlns:a16="http://schemas.microsoft.com/office/drawing/2014/main" id="{100022F9-A075-4D48-821D-C3BBF5EF6DB8}"/>
+                <a16:creationId xmlns:a16="http://schemas.microsoft.com/office/drawing/2014/main" xmlns="" id="{100022F9-A075-4D48-821D-C3BBF5EF6DB8}"/>
               </a:ext>
             </a:extLst>
           </p:cNvPr>
@@ -4730,7 +3911,7 @@
           <p:cNvPr id="5" name="Footer Placeholder 4">
             <a:extLst>
               <a:ext uri="{FF2B5EF4-FFF2-40B4-BE49-F238E27FC236}">
-                <a16:creationId xmlns:a16="http://schemas.microsoft.com/office/drawing/2014/main" id="{EC31605A-96D3-4AE5-8AB0-795CD0B5F4FF}"/>
+                <a16:creationId xmlns:a16="http://schemas.microsoft.com/office/drawing/2014/main" xmlns="" id="{EC31605A-96D3-4AE5-8AB0-795CD0B5F4FF}"/>
               </a:ext>
             </a:extLst>
           </p:cNvPr>
@@ -4758,7 +3939,7 @@
           <p:cNvPr id="6" name="Slide Number Placeholder 5">
             <a:extLst>
               <a:ext uri="{FF2B5EF4-FFF2-40B4-BE49-F238E27FC236}">
-                <a16:creationId xmlns:a16="http://schemas.microsoft.com/office/drawing/2014/main" id="{57DF77BF-007F-4C70-98E2-83A1A7E91C87}"/>
+                <a16:creationId xmlns:a16="http://schemas.microsoft.com/office/drawing/2014/main" xmlns="" id="{57DF77BF-007F-4C70-98E2-83A1A7E91C87}"/>
               </a:ext>
             </a:extLst>
           </p:cNvPr>
@@ -4817,7 +3998,7 @@
           <p:cNvPr id="2" name="Title 1">
             <a:extLst>
               <a:ext uri="{FF2B5EF4-FFF2-40B4-BE49-F238E27FC236}">
-                <a16:creationId xmlns:a16="http://schemas.microsoft.com/office/drawing/2014/main" id="{50547723-A745-4136-9E9B-C54A2591C03E}"/>
+                <a16:creationId xmlns:a16="http://schemas.microsoft.com/office/drawing/2014/main" xmlns="" id="{50547723-A745-4136-9E9B-C54A2591C03E}"/>
               </a:ext>
             </a:extLst>
           </p:cNvPr>
@@ -4846,7 +4027,7 @@
           <p:cNvPr id="3" name="Vertical Text Placeholder 2">
             <a:extLst>
               <a:ext uri="{FF2B5EF4-FFF2-40B4-BE49-F238E27FC236}">
-                <a16:creationId xmlns:a16="http://schemas.microsoft.com/office/drawing/2014/main" id="{19A1C7A2-1B43-4C6D-A293-C7FFD55FA198}"/>
+                <a16:creationId xmlns:a16="http://schemas.microsoft.com/office/drawing/2014/main" xmlns="" id="{19A1C7A2-1B43-4C6D-A293-C7FFD55FA198}"/>
               </a:ext>
             </a:extLst>
           </p:cNvPr>
@@ -4904,7 +4085,7 @@
           <p:cNvPr id="4" name="Date Placeholder 3">
             <a:extLst>
               <a:ext uri="{FF2B5EF4-FFF2-40B4-BE49-F238E27FC236}">
-                <a16:creationId xmlns:a16="http://schemas.microsoft.com/office/drawing/2014/main" id="{E4D750D0-43FF-490C-A9D5-FAD09D16CB56}"/>
+                <a16:creationId xmlns:a16="http://schemas.microsoft.com/office/drawing/2014/main" xmlns="" id="{E4D750D0-43FF-490C-A9D5-FAD09D16CB56}"/>
               </a:ext>
             </a:extLst>
           </p:cNvPr>
@@ -4933,7 +4114,7 @@
           <p:cNvPr id="5" name="Footer Placeholder 4">
             <a:extLst>
               <a:ext uri="{FF2B5EF4-FFF2-40B4-BE49-F238E27FC236}">
-                <a16:creationId xmlns:a16="http://schemas.microsoft.com/office/drawing/2014/main" id="{52720C74-982E-4771-B07D-A0BD79EC910E}"/>
+                <a16:creationId xmlns:a16="http://schemas.microsoft.com/office/drawing/2014/main" xmlns="" id="{52720C74-982E-4771-B07D-A0BD79EC910E}"/>
               </a:ext>
             </a:extLst>
           </p:cNvPr>
@@ -4961,7 +4142,7 @@
           <p:cNvPr id="6" name="Slide Number Placeholder 5">
             <a:extLst>
               <a:ext uri="{FF2B5EF4-FFF2-40B4-BE49-F238E27FC236}">
-                <a16:creationId xmlns:a16="http://schemas.microsoft.com/office/drawing/2014/main" id="{521B4D69-0D90-4E66-BBD6-D567927F056E}"/>
+                <a16:creationId xmlns:a16="http://schemas.microsoft.com/office/drawing/2014/main" xmlns="" id="{521B4D69-0D90-4E66-BBD6-D567927F056E}"/>
               </a:ext>
             </a:extLst>
           </p:cNvPr>
@@ -5020,7 +4201,7 @@
           <p:cNvPr id="2" name="Vertical Title 1">
             <a:extLst>
               <a:ext uri="{FF2B5EF4-FFF2-40B4-BE49-F238E27FC236}">
-                <a16:creationId xmlns:a16="http://schemas.microsoft.com/office/drawing/2014/main" id="{2CAD75F2-C38E-4541-87A7-F319E899E67A}"/>
+                <a16:creationId xmlns:a16="http://schemas.microsoft.com/office/drawing/2014/main" xmlns="" id="{2CAD75F2-C38E-4541-87A7-F319E899E67A}"/>
               </a:ext>
             </a:extLst>
           </p:cNvPr>
@@ -5054,7 +4235,7 @@
           <p:cNvPr id="3" name="Vertical Text Placeholder 2">
             <a:extLst>
               <a:ext uri="{FF2B5EF4-FFF2-40B4-BE49-F238E27FC236}">
-                <a16:creationId xmlns:a16="http://schemas.microsoft.com/office/drawing/2014/main" id="{4C062E13-06CB-485A-AA44-1327366B8430}"/>
+                <a16:creationId xmlns:a16="http://schemas.microsoft.com/office/drawing/2014/main" xmlns="" id="{4C062E13-06CB-485A-AA44-1327366B8430}"/>
               </a:ext>
             </a:extLst>
           </p:cNvPr>
@@ -5117,7 +4298,7 @@
           <p:cNvPr id="4" name="Date Placeholder 3">
             <a:extLst>
               <a:ext uri="{FF2B5EF4-FFF2-40B4-BE49-F238E27FC236}">
-                <a16:creationId xmlns:a16="http://schemas.microsoft.com/office/drawing/2014/main" id="{625F218E-01D2-451A-9031-AD736B1E20A6}"/>
+                <a16:creationId xmlns:a16="http://schemas.microsoft.com/office/drawing/2014/main" xmlns="" id="{625F218E-01D2-451A-9031-AD736B1E20A6}"/>
               </a:ext>
             </a:extLst>
           </p:cNvPr>
@@ -5146,7 +4327,7 @@
           <p:cNvPr id="5" name="Footer Placeholder 4">
             <a:extLst>
               <a:ext uri="{FF2B5EF4-FFF2-40B4-BE49-F238E27FC236}">
-                <a16:creationId xmlns:a16="http://schemas.microsoft.com/office/drawing/2014/main" id="{C7083295-EF4A-46C3-90BB-B9E2D04D0576}"/>
+                <a16:creationId xmlns:a16="http://schemas.microsoft.com/office/drawing/2014/main" xmlns="" id="{C7083295-EF4A-46C3-90BB-B9E2D04D0576}"/>
               </a:ext>
             </a:extLst>
           </p:cNvPr>
@@ -5174,7 +4355,7 @@
           <p:cNvPr id="6" name="Slide Number Placeholder 5">
             <a:extLst>
               <a:ext uri="{FF2B5EF4-FFF2-40B4-BE49-F238E27FC236}">
-                <a16:creationId xmlns:a16="http://schemas.microsoft.com/office/drawing/2014/main" id="{0F8EDD3E-35ED-415B-86A4-3E78B8B56297}"/>
+                <a16:creationId xmlns:a16="http://schemas.microsoft.com/office/drawing/2014/main" xmlns="" id="{0F8EDD3E-35ED-415B-86A4-3E78B8B56297}"/>
               </a:ext>
             </a:extLst>
           </p:cNvPr>
@@ -5233,7 +4414,7 @@
           <p:cNvPr id="2" name="Title 1">
             <a:extLst>
               <a:ext uri="{FF2B5EF4-FFF2-40B4-BE49-F238E27FC236}">
-                <a16:creationId xmlns:a16="http://schemas.microsoft.com/office/drawing/2014/main" id="{3EC23AC9-B405-43A9-9B49-DD554606884B}"/>
+                <a16:creationId xmlns:a16="http://schemas.microsoft.com/office/drawing/2014/main" xmlns="" id="{3EC23AC9-B405-43A9-9B49-DD554606884B}"/>
               </a:ext>
             </a:extLst>
           </p:cNvPr>
@@ -5262,7 +4443,7 @@
           <p:cNvPr id="3" name="Content Placeholder 2">
             <a:extLst>
               <a:ext uri="{FF2B5EF4-FFF2-40B4-BE49-F238E27FC236}">
-                <a16:creationId xmlns:a16="http://schemas.microsoft.com/office/drawing/2014/main" id="{5A1ED858-EF3B-4519-8B6B-57FF232A60D6}"/>
+                <a16:creationId xmlns:a16="http://schemas.microsoft.com/office/drawing/2014/main" xmlns="" id="{5A1ED858-EF3B-4519-8B6B-57FF232A60D6}"/>
               </a:ext>
             </a:extLst>
           </p:cNvPr>
@@ -5320,7 +4501,7 @@
           <p:cNvPr id="4" name="Date Placeholder 3">
             <a:extLst>
               <a:ext uri="{FF2B5EF4-FFF2-40B4-BE49-F238E27FC236}">
-                <a16:creationId xmlns:a16="http://schemas.microsoft.com/office/drawing/2014/main" id="{C8150030-2F31-4B9A-B432-2B22C4DE6212}"/>
+                <a16:creationId xmlns:a16="http://schemas.microsoft.com/office/drawing/2014/main" xmlns="" id="{C8150030-2F31-4B9A-B432-2B22C4DE6212}"/>
               </a:ext>
             </a:extLst>
           </p:cNvPr>
@@ -5349,7 +4530,7 @@
           <p:cNvPr id="5" name="Footer Placeholder 4">
             <a:extLst>
               <a:ext uri="{FF2B5EF4-FFF2-40B4-BE49-F238E27FC236}">
-                <a16:creationId xmlns:a16="http://schemas.microsoft.com/office/drawing/2014/main" id="{9D0121CD-2AA3-4C77-A2DC-710EE8AD1DE5}"/>
+                <a16:creationId xmlns:a16="http://schemas.microsoft.com/office/drawing/2014/main" xmlns="" id="{9D0121CD-2AA3-4C77-A2DC-710EE8AD1DE5}"/>
               </a:ext>
             </a:extLst>
           </p:cNvPr>
@@ -5377,7 +4558,7 @@
           <p:cNvPr id="6" name="Slide Number Placeholder 5">
             <a:extLst>
               <a:ext uri="{FF2B5EF4-FFF2-40B4-BE49-F238E27FC236}">
-                <a16:creationId xmlns:a16="http://schemas.microsoft.com/office/drawing/2014/main" id="{D230A6F5-C59C-4467-990E-B7673CFF0B72}"/>
+                <a16:creationId xmlns:a16="http://schemas.microsoft.com/office/drawing/2014/main" xmlns="" id="{D230A6F5-C59C-4467-990E-B7673CFF0B72}"/>
               </a:ext>
             </a:extLst>
           </p:cNvPr>
@@ -5436,7 +4617,7 @@
           <p:cNvPr id="2" name="Title 1">
             <a:extLst>
               <a:ext uri="{FF2B5EF4-FFF2-40B4-BE49-F238E27FC236}">
-                <a16:creationId xmlns:a16="http://schemas.microsoft.com/office/drawing/2014/main" id="{BF936881-31C9-42FA-A745-EA48C2B1D924}"/>
+                <a16:creationId xmlns:a16="http://schemas.microsoft.com/office/drawing/2014/main" xmlns="" id="{BF936881-31C9-42FA-A745-EA48C2B1D924}"/>
               </a:ext>
             </a:extLst>
           </p:cNvPr>
@@ -5474,7 +4655,7 @@
           <p:cNvPr id="3" name="Text Placeholder 2">
             <a:extLst>
               <a:ext uri="{FF2B5EF4-FFF2-40B4-BE49-F238E27FC236}">
-                <a16:creationId xmlns:a16="http://schemas.microsoft.com/office/drawing/2014/main" id="{F4F81A45-5932-4C85-A105-4077AD8D9885}"/>
+                <a16:creationId xmlns:a16="http://schemas.microsoft.com/office/drawing/2014/main" xmlns="" id="{F4F81A45-5932-4C85-A105-4077AD8D9885}"/>
               </a:ext>
             </a:extLst>
           </p:cNvPr>
@@ -5599,7 +4780,7 @@
           <p:cNvPr id="4" name="Date Placeholder 3">
             <a:extLst>
               <a:ext uri="{FF2B5EF4-FFF2-40B4-BE49-F238E27FC236}">
-                <a16:creationId xmlns:a16="http://schemas.microsoft.com/office/drawing/2014/main" id="{FF8CFA83-5D09-45E6-BFEE-A02E8D514255}"/>
+                <a16:creationId xmlns:a16="http://schemas.microsoft.com/office/drawing/2014/main" xmlns="" id="{FF8CFA83-5D09-45E6-BFEE-A02E8D514255}"/>
               </a:ext>
             </a:extLst>
           </p:cNvPr>
@@ -5628,7 +4809,7 @@
           <p:cNvPr id="5" name="Footer Placeholder 4">
             <a:extLst>
               <a:ext uri="{FF2B5EF4-FFF2-40B4-BE49-F238E27FC236}">
-                <a16:creationId xmlns:a16="http://schemas.microsoft.com/office/drawing/2014/main" id="{A79C5C45-F0F7-4E1E-A0BA-F748D717175A}"/>
+                <a16:creationId xmlns:a16="http://schemas.microsoft.com/office/drawing/2014/main" xmlns="" id="{A79C5C45-F0F7-4E1E-A0BA-F748D717175A}"/>
               </a:ext>
             </a:extLst>
           </p:cNvPr>
@@ -5656,7 +4837,7 @@
           <p:cNvPr id="6" name="Slide Number Placeholder 5">
             <a:extLst>
               <a:ext uri="{FF2B5EF4-FFF2-40B4-BE49-F238E27FC236}">
-                <a16:creationId xmlns:a16="http://schemas.microsoft.com/office/drawing/2014/main" id="{0B6BC97A-AFA3-4F0C-AF54-B5654540B753}"/>
+                <a16:creationId xmlns:a16="http://schemas.microsoft.com/office/drawing/2014/main" xmlns="" id="{0B6BC97A-AFA3-4F0C-AF54-B5654540B753}"/>
               </a:ext>
             </a:extLst>
           </p:cNvPr>
@@ -5715,7 +4896,7 @@
           <p:cNvPr id="2" name="Title 1">
             <a:extLst>
               <a:ext uri="{FF2B5EF4-FFF2-40B4-BE49-F238E27FC236}">
-                <a16:creationId xmlns:a16="http://schemas.microsoft.com/office/drawing/2014/main" id="{767E744E-0BBE-4077-8230-C905D1B7B2F6}"/>
+                <a16:creationId xmlns:a16="http://schemas.microsoft.com/office/drawing/2014/main" xmlns="" id="{767E744E-0BBE-4077-8230-C905D1B7B2F6}"/>
               </a:ext>
             </a:extLst>
           </p:cNvPr>
@@ -5744,7 +4925,7 @@
           <p:cNvPr id="3" name="Content Placeholder 2">
             <a:extLst>
               <a:ext uri="{FF2B5EF4-FFF2-40B4-BE49-F238E27FC236}">
-                <a16:creationId xmlns:a16="http://schemas.microsoft.com/office/drawing/2014/main" id="{0C95CA8F-8400-44E9-982B-20F711B51A51}"/>
+                <a16:creationId xmlns:a16="http://schemas.microsoft.com/office/drawing/2014/main" xmlns="" id="{0C95CA8F-8400-44E9-982B-20F711B51A51}"/>
               </a:ext>
             </a:extLst>
           </p:cNvPr>
@@ -5807,7 +4988,7 @@
           <p:cNvPr id="4" name="Content Placeholder 3">
             <a:extLst>
               <a:ext uri="{FF2B5EF4-FFF2-40B4-BE49-F238E27FC236}">
-                <a16:creationId xmlns:a16="http://schemas.microsoft.com/office/drawing/2014/main" id="{8FFC5013-EAEC-446A-836B-EE12B52AF1EE}"/>
+                <a16:creationId xmlns:a16="http://schemas.microsoft.com/office/drawing/2014/main" xmlns="" id="{8FFC5013-EAEC-446A-836B-EE12B52AF1EE}"/>
               </a:ext>
             </a:extLst>
           </p:cNvPr>
@@ -5870,7 +5051,7 @@
           <p:cNvPr id="5" name="Date Placeholder 4">
             <a:extLst>
               <a:ext uri="{FF2B5EF4-FFF2-40B4-BE49-F238E27FC236}">
-                <a16:creationId xmlns:a16="http://schemas.microsoft.com/office/drawing/2014/main" id="{E310F9EB-66BC-4C02-949E-4481CE3C774C}"/>
+                <a16:creationId xmlns:a16="http://schemas.microsoft.com/office/drawing/2014/main" xmlns="" id="{E310F9EB-66BC-4C02-949E-4481CE3C774C}"/>
               </a:ext>
             </a:extLst>
           </p:cNvPr>
@@ -5899,7 +5080,7 @@
           <p:cNvPr id="6" name="Footer Placeholder 5">
             <a:extLst>
               <a:ext uri="{FF2B5EF4-FFF2-40B4-BE49-F238E27FC236}">
-                <a16:creationId xmlns:a16="http://schemas.microsoft.com/office/drawing/2014/main" id="{74C21129-AF84-4DC7-B6AB-10366106430C}"/>
+                <a16:creationId xmlns:a16="http://schemas.microsoft.com/office/drawing/2014/main" xmlns="" id="{74C21129-AF84-4DC7-B6AB-10366106430C}"/>
               </a:ext>
             </a:extLst>
           </p:cNvPr>
@@ -5927,7 +5108,7 @@
           <p:cNvPr id="7" name="Slide Number Placeholder 6">
             <a:extLst>
               <a:ext uri="{FF2B5EF4-FFF2-40B4-BE49-F238E27FC236}">
-                <a16:creationId xmlns:a16="http://schemas.microsoft.com/office/drawing/2014/main" id="{6C1A3CA7-9108-4644-9A69-9E5AEB0B2AD0}"/>
+                <a16:creationId xmlns:a16="http://schemas.microsoft.com/office/drawing/2014/main" xmlns="" id="{6C1A3CA7-9108-4644-9A69-9E5AEB0B2AD0}"/>
               </a:ext>
             </a:extLst>
           </p:cNvPr>
@@ -5986,7 +5167,7 @@
           <p:cNvPr id="2" name="Title 1">
             <a:extLst>
               <a:ext uri="{FF2B5EF4-FFF2-40B4-BE49-F238E27FC236}">
-                <a16:creationId xmlns:a16="http://schemas.microsoft.com/office/drawing/2014/main" id="{33AA1592-15D3-4F0B-B2E7-C95CBA7D7F4C}"/>
+                <a16:creationId xmlns:a16="http://schemas.microsoft.com/office/drawing/2014/main" xmlns="" id="{33AA1592-15D3-4F0B-B2E7-C95CBA7D7F4C}"/>
               </a:ext>
             </a:extLst>
           </p:cNvPr>
@@ -6020,7 +5201,7 @@
           <p:cNvPr id="3" name="Text Placeholder 2">
             <a:extLst>
               <a:ext uri="{FF2B5EF4-FFF2-40B4-BE49-F238E27FC236}">
-                <a16:creationId xmlns:a16="http://schemas.microsoft.com/office/drawing/2014/main" id="{3BC98F03-C09F-41CB-A02C-235FEF123879}"/>
+                <a16:creationId xmlns:a16="http://schemas.microsoft.com/office/drawing/2014/main" xmlns="" id="{3BC98F03-C09F-41CB-A02C-235FEF123879}"/>
               </a:ext>
             </a:extLst>
           </p:cNvPr>
@@ -6091,7 +5272,7 @@
           <p:cNvPr id="4" name="Content Placeholder 3">
             <a:extLst>
               <a:ext uri="{FF2B5EF4-FFF2-40B4-BE49-F238E27FC236}">
-                <a16:creationId xmlns:a16="http://schemas.microsoft.com/office/drawing/2014/main" id="{2B41E649-41F5-4E43-B982-FA612CCD2DF0}"/>
+                <a16:creationId xmlns:a16="http://schemas.microsoft.com/office/drawing/2014/main" xmlns="" id="{2B41E649-41F5-4E43-B982-FA612CCD2DF0}"/>
               </a:ext>
             </a:extLst>
           </p:cNvPr>
@@ -6154,7 +5335,7 @@
           <p:cNvPr id="5" name="Text Placeholder 4">
             <a:extLst>
               <a:ext uri="{FF2B5EF4-FFF2-40B4-BE49-F238E27FC236}">
-                <a16:creationId xmlns:a16="http://schemas.microsoft.com/office/drawing/2014/main" id="{37D7ABD1-D2B0-4CF0-8B82-C5D1C4FD84AF}"/>
+                <a16:creationId xmlns:a16="http://schemas.microsoft.com/office/drawing/2014/main" xmlns="" id="{37D7ABD1-D2B0-4CF0-8B82-C5D1C4FD84AF}"/>
               </a:ext>
             </a:extLst>
           </p:cNvPr>
@@ -6225,7 +5406,7 @@
           <p:cNvPr id="6" name="Content Placeholder 5">
             <a:extLst>
               <a:ext uri="{FF2B5EF4-FFF2-40B4-BE49-F238E27FC236}">
-                <a16:creationId xmlns:a16="http://schemas.microsoft.com/office/drawing/2014/main" id="{9E3897D1-02F3-412B-83EF-28A5CF402015}"/>
+                <a16:creationId xmlns:a16="http://schemas.microsoft.com/office/drawing/2014/main" xmlns="" id="{9E3897D1-02F3-412B-83EF-28A5CF402015}"/>
               </a:ext>
             </a:extLst>
           </p:cNvPr>
@@ -6288,7 +5469,7 @@
           <p:cNvPr id="7" name="Date Placeholder 6">
             <a:extLst>
               <a:ext uri="{FF2B5EF4-FFF2-40B4-BE49-F238E27FC236}">
-                <a16:creationId xmlns:a16="http://schemas.microsoft.com/office/drawing/2014/main" id="{9EA6E2B4-4A3E-4E96-98E5-D833ADA54890}"/>
+                <a16:creationId xmlns:a16="http://schemas.microsoft.com/office/drawing/2014/main" xmlns="" id="{9EA6E2B4-4A3E-4E96-98E5-D833ADA54890}"/>
               </a:ext>
             </a:extLst>
           </p:cNvPr>
@@ -6317,7 +5498,7 @@
           <p:cNvPr id="8" name="Footer Placeholder 7">
             <a:extLst>
               <a:ext uri="{FF2B5EF4-FFF2-40B4-BE49-F238E27FC236}">
-                <a16:creationId xmlns:a16="http://schemas.microsoft.com/office/drawing/2014/main" id="{5AC79E77-5927-4B6F-9B63-ADABE239B453}"/>
+                <a16:creationId xmlns:a16="http://schemas.microsoft.com/office/drawing/2014/main" xmlns="" id="{5AC79E77-5927-4B6F-9B63-ADABE239B453}"/>
               </a:ext>
             </a:extLst>
           </p:cNvPr>
@@ -6345,7 +5526,7 @@
           <p:cNvPr id="9" name="Slide Number Placeholder 8">
             <a:extLst>
               <a:ext uri="{FF2B5EF4-FFF2-40B4-BE49-F238E27FC236}">
-                <a16:creationId xmlns:a16="http://schemas.microsoft.com/office/drawing/2014/main" id="{37B9B9C8-ED50-4852-B9F1-48A216BB03D1}"/>
+                <a16:creationId xmlns:a16="http://schemas.microsoft.com/office/drawing/2014/main" xmlns="" id="{37B9B9C8-ED50-4852-B9F1-48A216BB03D1}"/>
               </a:ext>
             </a:extLst>
           </p:cNvPr>
@@ -6404,7 +5585,7 @@
           <p:cNvPr id="2" name="Title 1">
             <a:extLst>
               <a:ext uri="{FF2B5EF4-FFF2-40B4-BE49-F238E27FC236}">
-                <a16:creationId xmlns:a16="http://schemas.microsoft.com/office/drawing/2014/main" id="{AFFF9CCC-3D72-4E6D-9B55-5BDB2AB422C8}"/>
+                <a16:creationId xmlns:a16="http://schemas.microsoft.com/office/drawing/2014/main" xmlns="" id="{AFFF9CCC-3D72-4E6D-9B55-5BDB2AB422C8}"/>
               </a:ext>
             </a:extLst>
           </p:cNvPr>
@@ -6433,7 +5614,7 @@
           <p:cNvPr id="3" name="Date Placeholder 2">
             <a:extLst>
               <a:ext uri="{FF2B5EF4-FFF2-40B4-BE49-F238E27FC236}">
-                <a16:creationId xmlns:a16="http://schemas.microsoft.com/office/drawing/2014/main" id="{0B6C3247-58E3-4CD5-BAA0-DA75A819FDB7}"/>
+                <a16:creationId xmlns:a16="http://schemas.microsoft.com/office/drawing/2014/main" xmlns="" id="{0B6C3247-58E3-4CD5-BAA0-DA75A819FDB7}"/>
               </a:ext>
             </a:extLst>
           </p:cNvPr>
@@ -6462,7 +5643,7 @@
           <p:cNvPr id="4" name="Footer Placeholder 3">
             <a:extLst>
               <a:ext uri="{FF2B5EF4-FFF2-40B4-BE49-F238E27FC236}">
-                <a16:creationId xmlns:a16="http://schemas.microsoft.com/office/drawing/2014/main" id="{F337865A-A6D7-4B6F-AACB-CF758CA5DFEF}"/>
+                <a16:creationId xmlns:a16="http://schemas.microsoft.com/office/drawing/2014/main" xmlns="" id="{F337865A-A6D7-4B6F-AACB-CF758CA5DFEF}"/>
               </a:ext>
             </a:extLst>
           </p:cNvPr>
@@ -6490,7 +5671,7 @@
           <p:cNvPr id="5" name="Slide Number Placeholder 4">
             <a:extLst>
               <a:ext uri="{FF2B5EF4-FFF2-40B4-BE49-F238E27FC236}">
-                <a16:creationId xmlns:a16="http://schemas.microsoft.com/office/drawing/2014/main" id="{3686C1C5-74DF-47F5-99D6-4A48265FCC9A}"/>
+                <a16:creationId xmlns:a16="http://schemas.microsoft.com/office/drawing/2014/main" xmlns="" id="{3686C1C5-74DF-47F5-99D6-4A48265FCC9A}"/>
               </a:ext>
             </a:extLst>
           </p:cNvPr>
@@ -6549,7 +5730,7 @@
           <p:cNvPr id="2" name="Date Placeholder 1">
             <a:extLst>
               <a:ext uri="{FF2B5EF4-FFF2-40B4-BE49-F238E27FC236}">
-                <a16:creationId xmlns:a16="http://schemas.microsoft.com/office/drawing/2014/main" id="{DD7FD90C-4FC4-4111-9356-41D9564DB7DC}"/>
+                <a16:creationId xmlns:a16="http://schemas.microsoft.com/office/drawing/2014/main" xmlns="" id="{DD7FD90C-4FC4-4111-9356-41D9564DB7DC}"/>
               </a:ext>
             </a:extLst>
           </p:cNvPr>
@@ -6578,7 +5759,7 @@
           <p:cNvPr id="3" name="Footer Placeholder 2">
             <a:extLst>
               <a:ext uri="{FF2B5EF4-FFF2-40B4-BE49-F238E27FC236}">
-                <a16:creationId xmlns:a16="http://schemas.microsoft.com/office/drawing/2014/main" id="{3C9FF4C4-44A5-48A4-BDD8-FEA03E205412}"/>
+                <a16:creationId xmlns:a16="http://schemas.microsoft.com/office/drawing/2014/main" xmlns="" id="{3C9FF4C4-44A5-48A4-BDD8-FEA03E205412}"/>
               </a:ext>
             </a:extLst>
           </p:cNvPr>
@@ -6606,7 +5787,7 @@
           <p:cNvPr id="4" name="Slide Number Placeholder 3">
             <a:extLst>
               <a:ext uri="{FF2B5EF4-FFF2-40B4-BE49-F238E27FC236}">
-                <a16:creationId xmlns:a16="http://schemas.microsoft.com/office/drawing/2014/main" id="{5BD1C1F2-608B-4F06-B3CF-EA402ECA138C}"/>
+                <a16:creationId xmlns:a16="http://schemas.microsoft.com/office/drawing/2014/main" xmlns="" id="{5BD1C1F2-608B-4F06-B3CF-EA402ECA138C}"/>
               </a:ext>
             </a:extLst>
           </p:cNvPr>
@@ -6665,7 +5846,7 @@
           <p:cNvPr id="2" name="Title 1">
             <a:extLst>
               <a:ext uri="{FF2B5EF4-FFF2-40B4-BE49-F238E27FC236}">
-                <a16:creationId xmlns:a16="http://schemas.microsoft.com/office/drawing/2014/main" id="{C30E51A0-29CA-4ADD-9397-21C60FE7224C}"/>
+                <a16:creationId xmlns:a16="http://schemas.microsoft.com/office/drawing/2014/main" xmlns="" id="{C30E51A0-29CA-4ADD-9397-21C60FE7224C}"/>
               </a:ext>
             </a:extLst>
           </p:cNvPr>
@@ -6703,7 +5884,7 @@
           <p:cNvPr id="3" name="Content Placeholder 2">
             <a:extLst>
               <a:ext uri="{FF2B5EF4-FFF2-40B4-BE49-F238E27FC236}">
-                <a16:creationId xmlns:a16="http://schemas.microsoft.com/office/drawing/2014/main" id="{AE4C1E59-EC49-477D-A7FA-8D17A544FD35}"/>
+                <a16:creationId xmlns:a16="http://schemas.microsoft.com/office/drawing/2014/main" xmlns="" id="{AE4C1E59-EC49-477D-A7FA-8D17A544FD35}"/>
               </a:ext>
             </a:extLst>
           </p:cNvPr>
@@ -6794,7 +5975,7 @@
           <p:cNvPr id="4" name="Text Placeholder 3">
             <a:extLst>
               <a:ext uri="{FF2B5EF4-FFF2-40B4-BE49-F238E27FC236}">
-                <a16:creationId xmlns:a16="http://schemas.microsoft.com/office/drawing/2014/main" id="{FB140F56-8F9C-46CC-A2A8-FC43BF1B9B5A}"/>
+                <a16:creationId xmlns:a16="http://schemas.microsoft.com/office/drawing/2014/main" xmlns="" id="{FB140F56-8F9C-46CC-A2A8-FC43BF1B9B5A}"/>
               </a:ext>
             </a:extLst>
           </p:cNvPr>
@@ -6865,7 +6046,7 @@
           <p:cNvPr id="5" name="Date Placeholder 4">
             <a:extLst>
               <a:ext uri="{FF2B5EF4-FFF2-40B4-BE49-F238E27FC236}">
-                <a16:creationId xmlns:a16="http://schemas.microsoft.com/office/drawing/2014/main" id="{31CABD1E-515F-40BE-8198-380231147539}"/>
+                <a16:creationId xmlns:a16="http://schemas.microsoft.com/office/drawing/2014/main" xmlns="" id="{31CABD1E-515F-40BE-8198-380231147539}"/>
               </a:ext>
             </a:extLst>
           </p:cNvPr>
@@ -6894,7 +6075,7 @@
           <p:cNvPr id="6" name="Footer Placeholder 5">
             <a:extLst>
               <a:ext uri="{FF2B5EF4-FFF2-40B4-BE49-F238E27FC236}">
-                <a16:creationId xmlns:a16="http://schemas.microsoft.com/office/drawing/2014/main" id="{2F6019DF-BD0B-472E-A976-8D5DB86E4E34}"/>
+                <a16:creationId xmlns:a16="http://schemas.microsoft.com/office/drawing/2014/main" xmlns="" id="{2F6019DF-BD0B-472E-A976-8D5DB86E4E34}"/>
               </a:ext>
             </a:extLst>
           </p:cNvPr>
@@ -6922,7 +6103,7 @@
           <p:cNvPr id="7" name="Slide Number Placeholder 6">
             <a:extLst>
               <a:ext uri="{FF2B5EF4-FFF2-40B4-BE49-F238E27FC236}">
-                <a16:creationId xmlns:a16="http://schemas.microsoft.com/office/drawing/2014/main" id="{E9F698EC-CC4D-4D69-967F-312E2662B149}"/>
+                <a16:creationId xmlns:a16="http://schemas.microsoft.com/office/drawing/2014/main" xmlns="" id="{E9F698EC-CC4D-4D69-967F-312E2662B149}"/>
               </a:ext>
             </a:extLst>
           </p:cNvPr>
@@ -6981,7 +6162,7 @@
           <p:cNvPr id="2" name="Title 1">
             <a:extLst>
               <a:ext uri="{FF2B5EF4-FFF2-40B4-BE49-F238E27FC236}">
-                <a16:creationId xmlns:a16="http://schemas.microsoft.com/office/drawing/2014/main" id="{3B4FFAA6-7E4F-476A-9070-0F7F2F3CF654}"/>
+                <a16:creationId xmlns:a16="http://schemas.microsoft.com/office/drawing/2014/main" xmlns="" id="{3B4FFAA6-7E4F-476A-9070-0F7F2F3CF654}"/>
               </a:ext>
             </a:extLst>
           </p:cNvPr>
@@ -7019,7 +6200,7 @@
           <p:cNvPr id="3" name="Picture Placeholder 2">
             <a:extLst>
               <a:ext uri="{FF2B5EF4-FFF2-40B4-BE49-F238E27FC236}">
-                <a16:creationId xmlns:a16="http://schemas.microsoft.com/office/drawing/2014/main" id="{818F1107-C63D-4182-B212-341F4BBF5995}"/>
+                <a16:creationId xmlns:a16="http://schemas.microsoft.com/office/drawing/2014/main" xmlns="" id="{818F1107-C63D-4182-B212-341F4BBF5995}"/>
               </a:ext>
             </a:extLst>
           </p:cNvPr>
@@ -7086,7 +6267,7 @@
           <p:cNvPr id="4" name="Text Placeholder 3">
             <a:extLst>
               <a:ext uri="{FF2B5EF4-FFF2-40B4-BE49-F238E27FC236}">
-                <a16:creationId xmlns:a16="http://schemas.microsoft.com/office/drawing/2014/main" id="{0726478D-FAFE-42F8-9655-7B1CEA64186D}"/>
+                <a16:creationId xmlns:a16="http://schemas.microsoft.com/office/drawing/2014/main" xmlns="" id="{0726478D-FAFE-42F8-9655-7B1CEA64186D}"/>
               </a:ext>
             </a:extLst>
           </p:cNvPr>
@@ -7157,7 +6338,7 @@
           <p:cNvPr id="5" name="Date Placeholder 4">
             <a:extLst>
               <a:ext uri="{FF2B5EF4-FFF2-40B4-BE49-F238E27FC236}">
-                <a16:creationId xmlns:a16="http://schemas.microsoft.com/office/drawing/2014/main" id="{4ED6872F-0A70-4D1D-A649-079E23BFC17B}"/>
+                <a16:creationId xmlns:a16="http://schemas.microsoft.com/office/drawing/2014/main" xmlns="" id="{4ED6872F-0A70-4D1D-A649-079E23BFC17B}"/>
               </a:ext>
             </a:extLst>
           </p:cNvPr>
@@ -7186,7 +6367,7 @@
           <p:cNvPr id="6" name="Footer Placeholder 5">
             <a:extLst>
               <a:ext uri="{FF2B5EF4-FFF2-40B4-BE49-F238E27FC236}">
-                <a16:creationId xmlns:a16="http://schemas.microsoft.com/office/drawing/2014/main" id="{5312BCC0-13EB-4DA8-B39F-A5298CA93138}"/>
+                <a16:creationId xmlns:a16="http://schemas.microsoft.com/office/drawing/2014/main" xmlns="" id="{5312BCC0-13EB-4DA8-B39F-A5298CA93138}"/>
               </a:ext>
             </a:extLst>
           </p:cNvPr>
@@ -7214,7 +6395,7 @@
           <p:cNvPr id="7" name="Slide Number Placeholder 6">
             <a:extLst>
               <a:ext uri="{FF2B5EF4-FFF2-40B4-BE49-F238E27FC236}">
-                <a16:creationId xmlns:a16="http://schemas.microsoft.com/office/drawing/2014/main" id="{1F62339D-75FC-459B-A2F1-6975527E5692}"/>
+                <a16:creationId xmlns:a16="http://schemas.microsoft.com/office/drawing/2014/main" xmlns="" id="{1F62339D-75FC-459B-A2F1-6975527E5692}"/>
               </a:ext>
             </a:extLst>
           </p:cNvPr>
@@ -7278,7 +6459,7 @@
           <p:cNvPr id="2" name="Title Placeholder 1">
             <a:extLst>
               <a:ext uri="{FF2B5EF4-FFF2-40B4-BE49-F238E27FC236}">
-                <a16:creationId xmlns:a16="http://schemas.microsoft.com/office/drawing/2014/main" id="{EECCEAF9-517F-4246-89B4-773BBE3B5283}"/>
+                <a16:creationId xmlns:a16="http://schemas.microsoft.com/office/drawing/2014/main" xmlns="" id="{EECCEAF9-517F-4246-89B4-773BBE3B5283}"/>
               </a:ext>
             </a:extLst>
           </p:cNvPr>
@@ -7317,7 +6498,7 @@
           <p:cNvPr id="3" name="Text Placeholder 2">
             <a:extLst>
               <a:ext uri="{FF2B5EF4-FFF2-40B4-BE49-F238E27FC236}">
-                <a16:creationId xmlns:a16="http://schemas.microsoft.com/office/drawing/2014/main" id="{9A2C07FB-A743-4CFF-8DBA-B22A10466F8D}"/>
+                <a16:creationId xmlns:a16="http://schemas.microsoft.com/office/drawing/2014/main" xmlns="" id="{9A2C07FB-A743-4CFF-8DBA-B22A10466F8D}"/>
               </a:ext>
             </a:extLst>
           </p:cNvPr>
@@ -7385,7 +6566,7 @@
           <p:cNvPr id="4" name="Date Placeholder 3">
             <a:extLst>
               <a:ext uri="{FF2B5EF4-FFF2-40B4-BE49-F238E27FC236}">
-                <a16:creationId xmlns:a16="http://schemas.microsoft.com/office/drawing/2014/main" id="{3DE3EFD5-A9F8-4124-B4DE-1AEE565BA376}"/>
+                <a16:creationId xmlns:a16="http://schemas.microsoft.com/office/drawing/2014/main" xmlns="" id="{3DE3EFD5-A9F8-4124-B4DE-1AEE565BA376}"/>
               </a:ext>
             </a:extLst>
           </p:cNvPr>
@@ -7432,7 +6613,7 @@
           <p:cNvPr id="5" name="Footer Placeholder 4">
             <a:extLst>
               <a:ext uri="{FF2B5EF4-FFF2-40B4-BE49-F238E27FC236}">
-                <a16:creationId xmlns:a16="http://schemas.microsoft.com/office/drawing/2014/main" id="{CB368404-65B1-4F0D-A1D3-FE6F60E99818}"/>
+                <a16:creationId xmlns:a16="http://schemas.microsoft.com/office/drawing/2014/main" xmlns="" id="{CB368404-65B1-4F0D-A1D3-FE6F60E99818}"/>
               </a:ext>
             </a:extLst>
           </p:cNvPr>
@@ -7478,7 +6659,7 @@
           <p:cNvPr id="6" name="Slide Number Placeholder 5">
             <a:extLst>
               <a:ext uri="{FF2B5EF4-FFF2-40B4-BE49-F238E27FC236}">
-                <a16:creationId xmlns:a16="http://schemas.microsoft.com/office/drawing/2014/main" id="{50F0220F-6B11-49AF-AB94-16FA52911A89}"/>
+                <a16:creationId xmlns:a16="http://schemas.microsoft.com/office/drawing/2014/main" xmlns="" id="{50F0220F-6B11-49AF-AB94-16FA52911A89}"/>
               </a:ext>
             </a:extLst>
           </p:cNvPr>
@@ -7855,7 +7036,7 @@
           <p:cNvPr id="1026" name="Picture 2" descr="Die Campusgebäude wurden mit einer Drohne von oben fotografiert.">
             <a:extLst>
               <a:ext uri="{FF2B5EF4-FFF2-40B4-BE49-F238E27FC236}">
-                <a16:creationId xmlns:a16="http://schemas.microsoft.com/office/drawing/2014/main" id="{BB1D137F-7550-416E-9165-30BB2E2EE823}"/>
+                <a16:creationId xmlns:a16="http://schemas.microsoft.com/office/drawing/2014/main" xmlns="" id="{BB1D137F-7550-416E-9165-30BB2E2EE823}"/>
               </a:ext>
             </a:extLst>
           </p:cNvPr>
@@ -7900,10 +7081,10 @@
           <p:cNvPr id="71" name="Freeform 5">
             <a:extLst>
               <a:ext uri="{FF2B5EF4-FFF2-40B4-BE49-F238E27FC236}">
-                <a16:creationId xmlns:a16="http://schemas.microsoft.com/office/drawing/2014/main" id="{87CC2527-562A-4F69-B487-4371E5B243E7}"/>
+                <a16:creationId xmlns:a16="http://schemas.microsoft.com/office/drawing/2014/main" xmlns="" id="{87CC2527-562A-4F69-B487-4371E5B243E7}"/>
               </a:ext>
               <a:ext uri="{C183D7F6-B498-43B3-948B-1728B52AA6E4}">
-                <adec:decorative xmlns:adec="http://schemas.microsoft.com/office/drawing/2017/decorative" val="1"/>
+                <adec:decorative xmlns:adec="http://schemas.microsoft.com/office/drawing/2017/decorative" xmlns="" val="1"/>
               </a:ext>
             </a:extLst>
           </p:cNvPr>
@@ -7913,7 +7094,7 @@
           <p:nvPr>
             <p:extLst>
               <p:ext uri="{386F3935-93C4-4BCD-93E2-E3B085C9AB24}">
-                <p16:designElem xmlns:p16="http://schemas.microsoft.com/office/powerpoint/2015/main" val="1"/>
+                <p16:designElem xmlns:p16="http://schemas.microsoft.com/office/powerpoint/2015/main" xmlns="" val="1"/>
               </p:ext>
             </p:extLst>
           </p:nvPr>
@@ -8042,7 +7223,7 @@
           <p:cNvPr id="2" name="Title 1">
             <a:extLst>
               <a:ext uri="{FF2B5EF4-FFF2-40B4-BE49-F238E27FC236}">
-                <a16:creationId xmlns:a16="http://schemas.microsoft.com/office/drawing/2014/main" id="{66A5DC1B-C9D0-4F34-9333-047D860C11A0}"/>
+                <a16:creationId xmlns:a16="http://schemas.microsoft.com/office/drawing/2014/main" xmlns="" id="{66A5DC1B-C9D0-4F34-9333-047D860C11A0}"/>
               </a:ext>
             </a:extLst>
           </p:cNvPr>
@@ -8082,7 +7263,7 @@
           <p:cNvPr id="3" name="Subtitle 2">
             <a:extLst>
               <a:ext uri="{FF2B5EF4-FFF2-40B4-BE49-F238E27FC236}">
-                <a16:creationId xmlns:a16="http://schemas.microsoft.com/office/drawing/2014/main" id="{42EC82C3-D779-4672-B134-327C720F0D8A}"/>
+                <a16:creationId xmlns:a16="http://schemas.microsoft.com/office/drawing/2014/main" xmlns="" id="{42EC82C3-D779-4672-B134-327C720F0D8A}"/>
               </a:ext>
             </a:extLst>
           </p:cNvPr>
@@ -8101,7 +7282,7 @@
         </p:spPr>
         <p:txBody>
           <a:bodyPr>
-            <a:normAutofit fontScale="92500" lnSpcReduction="20000"/>
+            <a:normAutofit fontScale="92500" lnSpcReduction="10000"/>
           </a:bodyPr>
           <a:lstStyle/>
           <a:p>
@@ -8132,10 +7313,10 @@
           <p:cNvPr id="73" name="Straight Connector 72">
             <a:extLst>
               <a:ext uri="{FF2B5EF4-FFF2-40B4-BE49-F238E27FC236}">
-                <a16:creationId xmlns:a16="http://schemas.microsoft.com/office/drawing/2014/main" id="{BCDAEC91-5BCE-4B55-9CC0-43EF94CB734B}"/>
+                <a16:creationId xmlns:a16="http://schemas.microsoft.com/office/drawing/2014/main" xmlns="" id="{BCDAEC91-5BCE-4B55-9CC0-43EF94CB734B}"/>
               </a:ext>
               <a:ext uri="{C183D7F6-B498-43B3-948B-1728B52AA6E4}">
-                <adec:decorative xmlns:adec="http://schemas.microsoft.com/office/drawing/2017/decorative" val="1"/>
+                <adec:decorative xmlns:adec="http://schemas.microsoft.com/office/drawing/2017/decorative" xmlns="" val="1"/>
               </a:ext>
             </a:extLst>
           </p:cNvPr>
@@ -8145,7 +7326,7 @@
           <p:nvPr>
             <p:extLst>
               <p:ext uri="{386F3935-93C4-4BCD-93E2-E3B085C9AB24}">
-                <p16:designElem xmlns:p16="http://schemas.microsoft.com/office/powerpoint/2015/main" val="1"/>
+                <p16:designElem xmlns:p16="http://schemas.microsoft.com/office/powerpoint/2015/main" xmlns="" val="1"/>
               </p:ext>
             </p:extLst>
           </p:nvPr>
@@ -8218,7 +7399,7 @@
           <p:cNvPr id="2" name="Title 1">
             <a:extLst>
               <a:ext uri="{FF2B5EF4-FFF2-40B4-BE49-F238E27FC236}">
-                <a16:creationId xmlns:a16="http://schemas.microsoft.com/office/drawing/2014/main" id="{55652878-6108-4095-948B-EC169932EC78}"/>
+                <a16:creationId xmlns:a16="http://schemas.microsoft.com/office/drawing/2014/main" xmlns="" id="{55652878-6108-4095-948B-EC169932EC78}"/>
               </a:ext>
             </a:extLst>
           </p:cNvPr>
@@ -8247,7 +7428,7 @@
           <p:cNvPr id="4" name="Footer Placeholder 3">
             <a:extLst>
               <a:ext uri="{FF2B5EF4-FFF2-40B4-BE49-F238E27FC236}">
-                <a16:creationId xmlns:a16="http://schemas.microsoft.com/office/drawing/2014/main" id="{16D332A9-469E-4E7F-A10E-D45E831D4B26}"/>
+                <a16:creationId xmlns:a16="http://schemas.microsoft.com/office/drawing/2014/main" xmlns="" id="{16D332A9-469E-4E7F-A10E-D45E831D4B26}"/>
               </a:ext>
             </a:extLst>
           </p:cNvPr>
@@ -8275,7 +7456,7 @@
           <p:cNvPr id="5" name="Slide Number Placeholder 4">
             <a:extLst>
               <a:ext uri="{FF2B5EF4-FFF2-40B4-BE49-F238E27FC236}">
-                <a16:creationId xmlns:a16="http://schemas.microsoft.com/office/drawing/2014/main" id="{3022FAF8-7230-4914-B8AE-0869A031F686}"/>
+                <a16:creationId xmlns:a16="http://schemas.microsoft.com/office/drawing/2014/main" xmlns="" id="{3022FAF8-7230-4914-B8AE-0869A031F686}"/>
               </a:ext>
             </a:extLst>
           </p:cNvPr>
@@ -8304,7 +7485,7 @@
           <p:cNvPr id="8" name="Picture 7">
             <a:extLst>
               <a:ext uri="{FF2B5EF4-FFF2-40B4-BE49-F238E27FC236}">
-                <a16:creationId xmlns:a16="http://schemas.microsoft.com/office/drawing/2014/main" id="{4401E71C-5E3F-428D-B5AF-EE99CB3BD276}"/>
+                <a16:creationId xmlns:a16="http://schemas.microsoft.com/office/drawing/2014/main" xmlns="" id="{4401E71C-5E3F-428D-B5AF-EE99CB3BD276}"/>
               </a:ext>
             </a:extLst>
           </p:cNvPr>
@@ -8370,7 +7551,7 @@
           <p:cNvPr id="2" name="Title 1">
             <a:extLst>
               <a:ext uri="{FF2B5EF4-FFF2-40B4-BE49-F238E27FC236}">
-                <a16:creationId xmlns:a16="http://schemas.microsoft.com/office/drawing/2014/main" id="{88B9B44E-95F9-46BE-B3B0-76D9329EE7AB}"/>
+                <a16:creationId xmlns:a16="http://schemas.microsoft.com/office/drawing/2014/main" xmlns="" id="{88B9B44E-95F9-46BE-B3B0-76D9329EE7AB}"/>
               </a:ext>
             </a:extLst>
           </p:cNvPr>
@@ -8399,7 +7580,7 @@
           <p:cNvPr id="4" name="Footer Placeholder 3">
             <a:extLst>
               <a:ext uri="{FF2B5EF4-FFF2-40B4-BE49-F238E27FC236}">
-                <a16:creationId xmlns:a16="http://schemas.microsoft.com/office/drawing/2014/main" id="{6157B870-4BD0-4438-BF0D-4E6C96BEEBA0}"/>
+                <a16:creationId xmlns:a16="http://schemas.microsoft.com/office/drawing/2014/main" xmlns="" id="{6157B870-4BD0-4438-BF0D-4E6C96BEEBA0}"/>
               </a:ext>
             </a:extLst>
           </p:cNvPr>
@@ -8427,7 +7608,7 @@
           <p:cNvPr id="5" name="Slide Number Placeholder 4">
             <a:extLst>
               <a:ext uri="{FF2B5EF4-FFF2-40B4-BE49-F238E27FC236}">
-                <a16:creationId xmlns:a16="http://schemas.microsoft.com/office/drawing/2014/main" id="{CFFCA952-DDF4-451A-81B5-52DC32865D07}"/>
+                <a16:creationId xmlns:a16="http://schemas.microsoft.com/office/drawing/2014/main" xmlns="" id="{CFFCA952-DDF4-451A-81B5-52DC32865D07}"/>
               </a:ext>
             </a:extLst>
           </p:cNvPr>
@@ -8456,7 +7637,7 @@
           <p:cNvPr id="9" name="Grafik 8">
             <a:extLst>
               <a:ext uri="{FF2B5EF4-FFF2-40B4-BE49-F238E27FC236}">
-                <a16:creationId xmlns:a16="http://schemas.microsoft.com/office/drawing/2014/main" id="{20DCE84D-2E55-490B-A662-A0B9C6A4178F}"/>
+                <a16:creationId xmlns:a16="http://schemas.microsoft.com/office/drawing/2014/main" xmlns="" id="{20DCE84D-2E55-490B-A662-A0B9C6A4178F}"/>
               </a:ext>
             </a:extLst>
           </p:cNvPr>
@@ -8522,7 +7703,7 @@
           <p:cNvPr id="2" name="Title 1">
             <a:extLst>
               <a:ext uri="{FF2B5EF4-FFF2-40B4-BE49-F238E27FC236}">
-                <a16:creationId xmlns:a16="http://schemas.microsoft.com/office/drawing/2014/main" id="{7EC29976-71E4-46C9-8940-3A5B3FDD6646}"/>
+                <a16:creationId xmlns:a16="http://schemas.microsoft.com/office/drawing/2014/main" xmlns="" id="{7EC29976-71E4-46C9-8940-3A5B3FDD6646}"/>
               </a:ext>
             </a:extLst>
           </p:cNvPr>
@@ -8551,7 +7732,7 @@
           <p:cNvPr id="4" name="Footer Placeholder 3">
             <a:extLst>
               <a:ext uri="{FF2B5EF4-FFF2-40B4-BE49-F238E27FC236}">
-                <a16:creationId xmlns:a16="http://schemas.microsoft.com/office/drawing/2014/main" id="{592A1E72-ECFD-475F-B214-EC3742EB9D33}"/>
+                <a16:creationId xmlns:a16="http://schemas.microsoft.com/office/drawing/2014/main" xmlns="" id="{592A1E72-ECFD-475F-B214-EC3742EB9D33}"/>
               </a:ext>
             </a:extLst>
           </p:cNvPr>
@@ -8579,7 +7760,7 @@
           <p:cNvPr id="5" name="Slide Number Placeholder 4">
             <a:extLst>
               <a:ext uri="{FF2B5EF4-FFF2-40B4-BE49-F238E27FC236}">
-                <a16:creationId xmlns:a16="http://schemas.microsoft.com/office/drawing/2014/main" id="{9985A3AB-5541-4569-B8D8-BACB4AFCADBA}"/>
+                <a16:creationId xmlns:a16="http://schemas.microsoft.com/office/drawing/2014/main" xmlns="" id="{9985A3AB-5541-4569-B8D8-BACB4AFCADBA}"/>
               </a:ext>
             </a:extLst>
           </p:cNvPr>
@@ -8608,7 +7789,7 @@
           <p:cNvPr id="6" name="Picture 5">
             <a:extLst>
               <a:ext uri="{FF2B5EF4-FFF2-40B4-BE49-F238E27FC236}">
-                <a16:creationId xmlns:a16="http://schemas.microsoft.com/office/drawing/2014/main" id="{3E9568AD-E209-4A26-BD00-6A0BF10DAB49}"/>
+                <a16:creationId xmlns:a16="http://schemas.microsoft.com/office/drawing/2014/main" xmlns="" id="{3E9568AD-E209-4A26-BD00-6A0BF10DAB49}"/>
               </a:ext>
             </a:extLst>
           </p:cNvPr>
@@ -8618,15 +7799,21 @@
           <p:nvPr/>
         </p:nvPicPr>
         <p:blipFill>
-          <a:blip r:embed="rId2"/>
+          <a:blip r:embed="rId2">
+            <a:extLst>
+              <a:ext uri="{28A0092B-C50C-407E-A947-70E740481C1C}">
+                <a14:useLocalDpi xmlns:a14="http://schemas.microsoft.com/office/drawing/2010/main" val="0"/>
+              </a:ext>
+            </a:extLst>
+          </a:blip>
           <a:stretch>
             <a:fillRect/>
           </a:stretch>
         </p:blipFill>
         <p:spPr>
           <a:xfrm>
-            <a:off x="0" y="1342103"/>
-            <a:ext cx="12192000" cy="5014247"/>
+            <a:off x="2505918" y="1342103"/>
+            <a:ext cx="7180164" cy="5014247"/>
           </a:xfrm>
           <a:prstGeom prst="rect">
             <a:avLst/>
@@ -8668,7 +7855,7 @@
           <p:cNvPr id="2" name="Title 1">
             <a:extLst>
               <a:ext uri="{FF2B5EF4-FFF2-40B4-BE49-F238E27FC236}">
-                <a16:creationId xmlns:a16="http://schemas.microsoft.com/office/drawing/2014/main" id="{4AFD5C52-84F6-4587-9BCD-038E7093DFA8}"/>
+                <a16:creationId xmlns:a16="http://schemas.microsoft.com/office/drawing/2014/main" xmlns="" id="{4AFD5C52-84F6-4587-9BCD-038E7093DFA8}"/>
               </a:ext>
             </a:extLst>
           </p:cNvPr>
@@ -8697,7 +7884,7 @@
           <p:cNvPr id="11" name="Content Placeholder 10">
             <a:extLst>
               <a:ext uri="{FF2B5EF4-FFF2-40B4-BE49-F238E27FC236}">
-                <a16:creationId xmlns:a16="http://schemas.microsoft.com/office/drawing/2014/main" id="{C7793A84-3F72-4C91-A48B-DD4AB4EC41F0}"/>
+                <a16:creationId xmlns:a16="http://schemas.microsoft.com/office/drawing/2014/main" xmlns="" id="{C7793A84-3F72-4C91-A48B-DD4AB4EC41F0}"/>
               </a:ext>
             </a:extLst>
           </p:cNvPr>
@@ -8792,7 +7979,7 @@
           <p:cNvPr id="17" name="Content Placeholder 10">
             <a:extLst>
               <a:ext uri="{FF2B5EF4-FFF2-40B4-BE49-F238E27FC236}">
-                <a16:creationId xmlns:a16="http://schemas.microsoft.com/office/drawing/2014/main" id="{0E078E16-2FE1-4F5F-8D2E-1D82437D0BDE}"/>
+                <a16:creationId xmlns:a16="http://schemas.microsoft.com/office/drawing/2014/main" xmlns="" id="{0E078E16-2FE1-4F5F-8D2E-1D82437D0BDE}"/>
               </a:ext>
             </a:extLst>
           </p:cNvPr>
@@ -9051,7 +8238,7 @@
           <p:cNvPr id="4098" name="Picture 2" descr="Image result for java">
             <a:extLst>
               <a:ext uri="{FF2B5EF4-FFF2-40B4-BE49-F238E27FC236}">
-                <a16:creationId xmlns:a16="http://schemas.microsoft.com/office/drawing/2014/main" id="{C5566FCF-4A88-4F9C-B530-8AC9550E73D8}"/>
+                <a16:creationId xmlns:a16="http://schemas.microsoft.com/office/drawing/2014/main" xmlns="" id="{C5566FCF-4A88-4F9C-B530-8AC9550E73D8}"/>
               </a:ext>
             </a:extLst>
           </p:cNvPr>
@@ -9098,7 +8285,7 @@
           <p:cNvPr id="4100" name="Picture 4" descr="Image result for hibernate">
             <a:extLst>
               <a:ext uri="{FF2B5EF4-FFF2-40B4-BE49-F238E27FC236}">
-                <a16:creationId xmlns:a16="http://schemas.microsoft.com/office/drawing/2014/main" id="{8111C7FF-7E14-4D4C-833E-3E26A1E238AB}"/>
+                <a16:creationId xmlns:a16="http://schemas.microsoft.com/office/drawing/2014/main" xmlns="" id="{8111C7FF-7E14-4D4C-833E-3E26A1E238AB}"/>
               </a:ext>
             </a:extLst>
           </p:cNvPr>
@@ -9145,7 +8332,7 @@
           <p:cNvPr id="4102" name="Picture 6" descr="Image result for postgre">
             <a:extLst>
               <a:ext uri="{FF2B5EF4-FFF2-40B4-BE49-F238E27FC236}">
-                <a16:creationId xmlns:a16="http://schemas.microsoft.com/office/drawing/2014/main" id="{C34F0C44-1D14-4C8C-BDE2-512FD1BC21BA}"/>
+                <a16:creationId xmlns:a16="http://schemas.microsoft.com/office/drawing/2014/main" xmlns="" id="{C34F0C44-1D14-4C8C-BDE2-512FD1BC21BA}"/>
               </a:ext>
             </a:extLst>
           </p:cNvPr>
@@ -9192,7 +8379,7 @@
           <p:cNvPr id="4104" name="Picture 8" descr="Image result for JS">
             <a:extLst>
               <a:ext uri="{FF2B5EF4-FFF2-40B4-BE49-F238E27FC236}">
-                <a16:creationId xmlns:a16="http://schemas.microsoft.com/office/drawing/2014/main" id="{1F7DFBFE-8410-4919-87AE-1AE0915AC1B6}"/>
+                <a16:creationId xmlns:a16="http://schemas.microsoft.com/office/drawing/2014/main" xmlns="" id="{1F7DFBFE-8410-4919-87AE-1AE0915AC1B6}"/>
               </a:ext>
             </a:extLst>
           </p:cNvPr>
@@ -9239,7 +8426,7 @@
           <p:cNvPr id="4106" name="Picture 10" descr="Image result for HTML">
             <a:extLst>
               <a:ext uri="{FF2B5EF4-FFF2-40B4-BE49-F238E27FC236}">
-                <a16:creationId xmlns:a16="http://schemas.microsoft.com/office/drawing/2014/main" id="{875ED7E3-294D-4358-ABF4-9BB48BD1776C}"/>
+                <a16:creationId xmlns:a16="http://schemas.microsoft.com/office/drawing/2014/main" xmlns="" id="{875ED7E3-294D-4358-ABF4-9BB48BD1776C}"/>
               </a:ext>
             </a:extLst>
           </p:cNvPr>
@@ -9286,7 +8473,7 @@
           <p:cNvPr id="4108" name="Picture 12" descr="Image result for CSS">
             <a:extLst>
               <a:ext uri="{FF2B5EF4-FFF2-40B4-BE49-F238E27FC236}">
-                <a16:creationId xmlns:a16="http://schemas.microsoft.com/office/drawing/2014/main" id="{286DDF16-867F-464D-B791-E19858482730}"/>
+                <a16:creationId xmlns:a16="http://schemas.microsoft.com/office/drawing/2014/main" xmlns="" id="{286DDF16-867F-464D-B791-E19858482730}"/>
               </a:ext>
             </a:extLst>
           </p:cNvPr>
@@ -9333,7 +8520,7 @@
           <p:cNvPr id="18" name="Footer Placeholder 17">
             <a:extLst>
               <a:ext uri="{FF2B5EF4-FFF2-40B4-BE49-F238E27FC236}">
-                <a16:creationId xmlns:a16="http://schemas.microsoft.com/office/drawing/2014/main" id="{4F33CCDD-795D-4350-838F-8FAFB293BB24}"/>
+                <a16:creationId xmlns:a16="http://schemas.microsoft.com/office/drawing/2014/main" xmlns="" id="{4F33CCDD-795D-4350-838F-8FAFB293BB24}"/>
               </a:ext>
             </a:extLst>
           </p:cNvPr>
@@ -9361,7 +8548,7 @@
           <p:cNvPr id="19" name="Slide Number Placeholder 18">
             <a:extLst>
               <a:ext uri="{FF2B5EF4-FFF2-40B4-BE49-F238E27FC236}">
-                <a16:creationId xmlns:a16="http://schemas.microsoft.com/office/drawing/2014/main" id="{B6B9846D-45B6-4896-BFB4-5E01D7A6F467}"/>
+                <a16:creationId xmlns:a16="http://schemas.microsoft.com/office/drawing/2014/main" xmlns="" id="{B6B9846D-45B6-4896-BFB4-5E01D7A6F467}"/>
               </a:ext>
             </a:extLst>
           </p:cNvPr>
@@ -9420,7 +8607,7 @@
           <p:cNvPr id="2" name="Title 1">
             <a:extLst>
               <a:ext uri="{FF2B5EF4-FFF2-40B4-BE49-F238E27FC236}">
-                <a16:creationId xmlns:a16="http://schemas.microsoft.com/office/drawing/2014/main" id="{BCFCE263-5C61-4B97-9259-E3C5D3BD7B23}"/>
+                <a16:creationId xmlns:a16="http://schemas.microsoft.com/office/drawing/2014/main" xmlns="" id="{BCFCE263-5C61-4B97-9259-E3C5D3BD7B23}"/>
               </a:ext>
             </a:extLst>
           </p:cNvPr>
@@ -9449,7 +8636,7 @@
           <p:cNvPr id="3074" name="Picture 2">
             <a:extLst>
               <a:ext uri="{FF2B5EF4-FFF2-40B4-BE49-F238E27FC236}">
-                <a16:creationId xmlns:a16="http://schemas.microsoft.com/office/drawing/2014/main" id="{44B5BC0F-CB3E-44CF-8108-24D35D39A31A}"/>
+                <a16:creationId xmlns:a16="http://schemas.microsoft.com/office/drawing/2014/main" xmlns="" id="{44B5BC0F-CB3E-44CF-8108-24D35D39A31A}"/>
               </a:ext>
             </a:extLst>
           </p:cNvPr>
@@ -9496,7 +8683,7 @@
           <p:cNvPr id="4" name="Footer Placeholder 3">
             <a:extLst>
               <a:ext uri="{FF2B5EF4-FFF2-40B4-BE49-F238E27FC236}">
-                <a16:creationId xmlns:a16="http://schemas.microsoft.com/office/drawing/2014/main" id="{C3A1387B-BB08-4F8C-95BA-755559DBAB58}"/>
+                <a16:creationId xmlns:a16="http://schemas.microsoft.com/office/drawing/2014/main" xmlns="" id="{C3A1387B-BB08-4F8C-95BA-755559DBAB58}"/>
               </a:ext>
             </a:extLst>
           </p:cNvPr>
@@ -9524,7 +8711,7 @@
           <p:cNvPr id="5" name="Slide Number Placeholder 4">
             <a:extLst>
               <a:ext uri="{FF2B5EF4-FFF2-40B4-BE49-F238E27FC236}">
-                <a16:creationId xmlns:a16="http://schemas.microsoft.com/office/drawing/2014/main" id="{2C88F733-C7FE-465F-846A-7E67DA4B5FD4}"/>
+                <a16:creationId xmlns:a16="http://schemas.microsoft.com/office/drawing/2014/main" xmlns="" id="{2C88F733-C7FE-465F-846A-7E67DA4B5FD4}"/>
               </a:ext>
             </a:extLst>
           </p:cNvPr>
@@ -9583,7 +8770,7 @@
           <p:cNvPr id="2" name="Title 1">
             <a:extLst>
               <a:ext uri="{FF2B5EF4-FFF2-40B4-BE49-F238E27FC236}">
-                <a16:creationId xmlns:a16="http://schemas.microsoft.com/office/drawing/2014/main" id="{AACACE42-6213-4998-856D-B7DDC5C8CB7E}"/>
+                <a16:creationId xmlns:a16="http://schemas.microsoft.com/office/drawing/2014/main" xmlns="" id="{AACACE42-6213-4998-856D-B7DDC5C8CB7E}"/>
               </a:ext>
             </a:extLst>
           </p:cNvPr>
@@ -9620,7 +8807,7 @@
           <p:cNvPr id="9" name="Picture 8">
             <a:extLst>
               <a:ext uri="{FF2B5EF4-FFF2-40B4-BE49-F238E27FC236}">
-                <a16:creationId xmlns:a16="http://schemas.microsoft.com/office/drawing/2014/main" id="{B4294F45-039F-4D61-B82A-F64FCBF1D94A}"/>
+                <a16:creationId xmlns:a16="http://schemas.microsoft.com/office/drawing/2014/main" xmlns="" id="{B4294F45-039F-4D61-B82A-F64FCBF1D94A}"/>
               </a:ext>
             </a:extLst>
           </p:cNvPr>
@@ -9650,7 +8837,7 @@
           <p:cNvPr id="10" name="Footer Placeholder 9">
             <a:extLst>
               <a:ext uri="{FF2B5EF4-FFF2-40B4-BE49-F238E27FC236}">
-                <a16:creationId xmlns:a16="http://schemas.microsoft.com/office/drawing/2014/main" id="{732E01D5-0763-4FB5-80FC-EB13C3C085CD}"/>
+                <a16:creationId xmlns:a16="http://schemas.microsoft.com/office/drawing/2014/main" xmlns="" id="{732E01D5-0763-4FB5-80FC-EB13C3C085CD}"/>
               </a:ext>
             </a:extLst>
           </p:cNvPr>
@@ -9678,7 +8865,7 @@
           <p:cNvPr id="11" name="Slide Number Placeholder 10">
             <a:extLst>
               <a:ext uri="{FF2B5EF4-FFF2-40B4-BE49-F238E27FC236}">
-                <a16:creationId xmlns:a16="http://schemas.microsoft.com/office/drawing/2014/main" id="{84D365C7-CFBB-4EC4-9A47-9EDBEC46B9E1}"/>
+                <a16:creationId xmlns:a16="http://schemas.microsoft.com/office/drawing/2014/main" xmlns="" id="{84D365C7-CFBB-4EC4-9A47-9EDBEC46B9E1}"/>
               </a:ext>
             </a:extLst>
           </p:cNvPr>
@@ -9737,7 +8924,7 @@
           <p:cNvPr id="2" name="Title 1">
             <a:extLst>
               <a:ext uri="{FF2B5EF4-FFF2-40B4-BE49-F238E27FC236}">
-                <a16:creationId xmlns:a16="http://schemas.microsoft.com/office/drawing/2014/main" id="{F4F71344-DCFC-40C8-AFD0-BEC393E946A7}"/>
+                <a16:creationId xmlns:a16="http://schemas.microsoft.com/office/drawing/2014/main" xmlns="" id="{F4F71344-DCFC-40C8-AFD0-BEC393E946A7}"/>
               </a:ext>
             </a:extLst>
           </p:cNvPr>
@@ -9782,7 +8969,7 @@
           <p:cNvPr id="4" name="Picture 3">
             <a:extLst>
               <a:ext uri="{FF2B5EF4-FFF2-40B4-BE49-F238E27FC236}">
-                <a16:creationId xmlns:a16="http://schemas.microsoft.com/office/drawing/2014/main" id="{DCF0ABF4-0D4A-4BAC-83AA-9D5194EF7AB4}"/>
+                <a16:creationId xmlns:a16="http://schemas.microsoft.com/office/drawing/2014/main" xmlns="" id="{DCF0ABF4-0D4A-4BAC-83AA-9D5194EF7AB4}"/>
               </a:ext>
             </a:extLst>
           </p:cNvPr>
@@ -9812,7 +8999,7 @@
           <p:cNvPr id="5" name="Footer Placeholder 4">
             <a:extLst>
               <a:ext uri="{FF2B5EF4-FFF2-40B4-BE49-F238E27FC236}">
-                <a16:creationId xmlns:a16="http://schemas.microsoft.com/office/drawing/2014/main" id="{DCEB4F83-AF3E-4174-8D2D-8C3AE882349B}"/>
+                <a16:creationId xmlns:a16="http://schemas.microsoft.com/office/drawing/2014/main" xmlns="" id="{DCEB4F83-AF3E-4174-8D2D-8C3AE882349B}"/>
               </a:ext>
             </a:extLst>
           </p:cNvPr>
@@ -9840,7 +9027,7 @@
           <p:cNvPr id="6" name="Slide Number Placeholder 5">
             <a:extLst>
               <a:ext uri="{FF2B5EF4-FFF2-40B4-BE49-F238E27FC236}">
-                <a16:creationId xmlns:a16="http://schemas.microsoft.com/office/drawing/2014/main" id="{E3CA4A65-4646-44A0-8EF9-F9E03EE53E96}"/>
+                <a16:creationId xmlns:a16="http://schemas.microsoft.com/office/drawing/2014/main" xmlns="" id="{E3CA4A65-4646-44A0-8EF9-F9E03EE53E96}"/>
               </a:ext>
             </a:extLst>
           </p:cNvPr>
@@ -9899,7 +9086,7 @@
           <p:cNvPr id="2" name="Title 1">
             <a:extLst>
               <a:ext uri="{FF2B5EF4-FFF2-40B4-BE49-F238E27FC236}">
-                <a16:creationId xmlns:a16="http://schemas.microsoft.com/office/drawing/2014/main" id="{5F5E0646-6CBE-4D32-8B62-78D0079110F9}"/>
+                <a16:creationId xmlns:a16="http://schemas.microsoft.com/office/drawing/2014/main" xmlns="" id="{5F5E0646-6CBE-4D32-8B62-78D0079110F9}"/>
               </a:ext>
             </a:extLst>
           </p:cNvPr>
@@ -9944,7 +9131,7 @@
           <p:cNvPr id="4" name="Picture 3">
             <a:extLst>
               <a:ext uri="{FF2B5EF4-FFF2-40B4-BE49-F238E27FC236}">
-                <a16:creationId xmlns:a16="http://schemas.microsoft.com/office/drawing/2014/main" id="{4B65162C-232F-4640-AB3B-0D2AD80B6DB2}"/>
+                <a16:creationId xmlns:a16="http://schemas.microsoft.com/office/drawing/2014/main" xmlns="" id="{4B65162C-232F-4640-AB3B-0D2AD80B6DB2}"/>
               </a:ext>
             </a:extLst>
           </p:cNvPr>
@@ -9974,7 +9161,7 @@
           <p:cNvPr id="5" name="Footer Placeholder 4">
             <a:extLst>
               <a:ext uri="{FF2B5EF4-FFF2-40B4-BE49-F238E27FC236}">
-                <a16:creationId xmlns:a16="http://schemas.microsoft.com/office/drawing/2014/main" id="{4947CEDC-2150-46B6-960A-D6378D95966B}"/>
+                <a16:creationId xmlns:a16="http://schemas.microsoft.com/office/drawing/2014/main" xmlns="" id="{4947CEDC-2150-46B6-960A-D6378D95966B}"/>
               </a:ext>
             </a:extLst>
           </p:cNvPr>
@@ -10002,7 +9189,7 @@
           <p:cNvPr id="6" name="Slide Number Placeholder 5">
             <a:extLst>
               <a:ext uri="{FF2B5EF4-FFF2-40B4-BE49-F238E27FC236}">
-                <a16:creationId xmlns:a16="http://schemas.microsoft.com/office/drawing/2014/main" id="{6264E7C1-3ECC-497D-BC00-077B88D20B7D}"/>
+                <a16:creationId xmlns:a16="http://schemas.microsoft.com/office/drawing/2014/main" xmlns="" id="{6264E7C1-3ECC-497D-BC00-077B88D20B7D}"/>
               </a:ext>
             </a:extLst>
           </p:cNvPr>
@@ -10061,7 +9248,7 @@
           <p:cNvPr id="2" name="Title 1">
             <a:extLst>
               <a:ext uri="{FF2B5EF4-FFF2-40B4-BE49-F238E27FC236}">
-                <a16:creationId xmlns:a16="http://schemas.microsoft.com/office/drawing/2014/main" id="{6B27F5F8-AE9C-40A3-8595-E4341D4D8DBB}"/>
+                <a16:creationId xmlns:a16="http://schemas.microsoft.com/office/drawing/2014/main" xmlns="" id="{6B27F5F8-AE9C-40A3-8595-E4341D4D8DBB}"/>
               </a:ext>
             </a:extLst>
           </p:cNvPr>
@@ -10106,7 +9293,7 @@
           <p:cNvPr id="4" name="Picture 3">
             <a:extLst>
               <a:ext uri="{FF2B5EF4-FFF2-40B4-BE49-F238E27FC236}">
-                <a16:creationId xmlns:a16="http://schemas.microsoft.com/office/drawing/2014/main" id="{32E0D016-8D31-4242-804A-3A3E33793273}"/>
+                <a16:creationId xmlns:a16="http://schemas.microsoft.com/office/drawing/2014/main" xmlns="" id="{32E0D016-8D31-4242-804A-3A3E33793273}"/>
               </a:ext>
             </a:extLst>
           </p:cNvPr>
@@ -10136,7 +9323,7 @@
           <p:cNvPr id="5" name="Footer Placeholder 4">
             <a:extLst>
               <a:ext uri="{FF2B5EF4-FFF2-40B4-BE49-F238E27FC236}">
-                <a16:creationId xmlns:a16="http://schemas.microsoft.com/office/drawing/2014/main" id="{99534A24-4107-4805-9644-AA48B7F034E7}"/>
+                <a16:creationId xmlns:a16="http://schemas.microsoft.com/office/drawing/2014/main" xmlns="" id="{99534A24-4107-4805-9644-AA48B7F034E7}"/>
               </a:ext>
             </a:extLst>
           </p:cNvPr>
@@ -10164,7 +9351,7 @@
           <p:cNvPr id="6" name="Slide Number Placeholder 5">
             <a:extLst>
               <a:ext uri="{FF2B5EF4-FFF2-40B4-BE49-F238E27FC236}">
-                <a16:creationId xmlns:a16="http://schemas.microsoft.com/office/drawing/2014/main" id="{1FBDEBA4-8509-4309-9721-5ED3E4DD5879}"/>
+                <a16:creationId xmlns:a16="http://schemas.microsoft.com/office/drawing/2014/main" xmlns="" id="{1FBDEBA4-8509-4309-9721-5ED3E4DD5879}"/>
               </a:ext>
             </a:extLst>
           </p:cNvPr>
@@ -10223,7 +9410,7 @@
           <p:cNvPr id="2" name="Titel 1">
             <a:extLst>
               <a:ext uri="{FF2B5EF4-FFF2-40B4-BE49-F238E27FC236}">
-                <a16:creationId xmlns:a16="http://schemas.microsoft.com/office/drawing/2014/main" id="{75F60590-EE99-405B-AC87-84ADB82CD35F}"/>
+                <a16:creationId xmlns:a16="http://schemas.microsoft.com/office/drawing/2014/main" xmlns="" id="{75F60590-EE99-405B-AC87-84ADB82CD35F}"/>
               </a:ext>
             </a:extLst>
           </p:cNvPr>
@@ -10251,7 +9438,7 @@
           <p:cNvPr id="7" name="Inhaltsplatzhalter 6">
             <a:extLst>
               <a:ext uri="{FF2B5EF4-FFF2-40B4-BE49-F238E27FC236}">
-                <a16:creationId xmlns:a16="http://schemas.microsoft.com/office/drawing/2014/main" id="{1FEF3D9B-9A61-4A48-A37F-8244AC9C396A}"/>
+                <a16:creationId xmlns:a16="http://schemas.microsoft.com/office/drawing/2014/main" xmlns="" id="{1FEF3D9B-9A61-4A48-A37F-8244AC9C396A}"/>
               </a:ext>
             </a:extLst>
           </p:cNvPr>
@@ -10286,7 +9473,7 @@
           <p:cNvPr id="4" name="Fußzeilenplatzhalter 3">
             <a:extLst>
               <a:ext uri="{FF2B5EF4-FFF2-40B4-BE49-F238E27FC236}">
-                <a16:creationId xmlns:a16="http://schemas.microsoft.com/office/drawing/2014/main" id="{DCB5CF6D-5825-4955-97A3-D528A2316747}"/>
+                <a16:creationId xmlns:a16="http://schemas.microsoft.com/office/drawing/2014/main" xmlns="" id="{DCB5CF6D-5825-4955-97A3-D528A2316747}"/>
               </a:ext>
             </a:extLst>
           </p:cNvPr>
@@ -10314,7 +9501,7 @@
           <p:cNvPr id="5" name="Foliennummernplatzhalter 4">
             <a:extLst>
               <a:ext uri="{FF2B5EF4-FFF2-40B4-BE49-F238E27FC236}">
-                <a16:creationId xmlns:a16="http://schemas.microsoft.com/office/drawing/2014/main" id="{2950D01A-A964-461C-A3D8-C26CB3332E0D}"/>
+                <a16:creationId xmlns:a16="http://schemas.microsoft.com/office/drawing/2014/main" xmlns="" id="{2950D01A-A964-461C-A3D8-C26CB3332E0D}"/>
               </a:ext>
             </a:extLst>
           </p:cNvPr>
@@ -10381,10 +9568,10 @@
           <p:cNvPr id="10" name="Rectangle 9">
             <a:extLst>
               <a:ext uri="{FF2B5EF4-FFF2-40B4-BE49-F238E27FC236}">
-                <a16:creationId xmlns:a16="http://schemas.microsoft.com/office/drawing/2014/main" id="{8D70B121-56F4-4848-B38B-182089D909FA}"/>
+                <a16:creationId xmlns:a16="http://schemas.microsoft.com/office/drawing/2014/main" xmlns="" id="{8D70B121-56F4-4848-B38B-182089D909FA}"/>
               </a:ext>
               <a:ext uri="{C183D7F6-B498-43B3-948B-1728B52AA6E4}">
-                <adec:decorative xmlns:adec="http://schemas.microsoft.com/office/drawing/2017/decorative" val="1"/>
+                <adec:decorative xmlns:adec="http://schemas.microsoft.com/office/drawing/2017/decorative" xmlns="" val="1"/>
               </a:ext>
             </a:extLst>
           </p:cNvPr>
@@ -10394,7 +9581,7 @@
           <p:nvPr>
             <p:extLst>
               <p:ext uri="{386F3935-93C4-4BCD-93E2-E3B085C9AB24}">
-                <p16:designElem xmlns:p16="http://schemas.microsoft.com/office/powerpoint/2015/main" val="1"/>
+                <p16:designElem xmlns:p16="http://schemas.microsoft.com/office/powerpoint/2015/main" xmlns="" val="1"/>
               </p:ext>
             </p:extLst>
           </p:nvPr>
@@ -10446,7 +9633,7 @@
           <p:cNvPr id="2" name="Title 1">
             <a:extLst>
               <a:ext uri="{FF2B5EF4-FFF2-40B4-BE49-F238E27FC236}">
-                <a16:creationId xmlns:a16="http://schemas.microsoft.com/office/drawing/2014/main" id="{ACE6EB8D-0A4F-46AA-AF64-E268DD01B696}"/>
+                <a16:creationId xmlns:a16="http://schemas.microsoft.com/office/drawing/2014/main" xmlns="" id="{ACE6EB8D-0A4F-46AA-AF64-E268DD01B696}"/>
               </a:ext>
             </a:extLst>
           </p:cNvPr>
@@ -10491,10 +9678,10 @@
           <p:cNvPr id="20" name="Straight Connector 11">
             <a:extLst>
               <a:ext uri="{FF2B5EF4-FFF2-40B4-BE49-F238E27FC236}">
-                <a16:creationId xmlns:a16="http://schemas.microsoft.com/office/drawing/2014/main" id="{2D72A2C9-F3CA-4216-8BAD-FA4C970C3C4E}"/>
+                <a16:creationId xmlns:a16="http://schemas.microsoft.com/office/drawing/2014/main" xmlns="" id="{2D72A2C9-F3CA-4216-8BAD-FA4C970C3C4E}"/>
               </a:ext>
               <a:ext uri="{C183D7F6-B498-43B3-948B-1728B52AA6E4}">
-                <adec:decorative xmlns:adec="http://schemas.microsoft.com/office/drawing/2017/decorative" val="1"/>
+                <adec:decorative xmlns:adec="http://schemas.microsoft.com/office/drawing/2017/decorative" xmlns="" val="1"/>
               </a:ext>
             </a:extLst>
           </p:cNvPr>
@@ -10504,7 +9691,7 @@
           <p:nvPr>
             <p:extLst>
               <p:ext uri="{386F3935-93C4-4BCD-93E2-E3B085C9AB24}">
-                <p16:designElem xmlns:p16="http://schemas.microsoft.com/office/powerpoint/2015/main" val="1"/>
+                <p16:designElem xmlns:p16="http://schemas.microsoft.com/office/powerpoint/2015/main" xmlns="" val="1"/>
               </p:ext>
             </p:extLst>
           </p:nvPr>
@@ -10546,7 +9733,7 @@
           <p:cNvPr id="21" name="Content Placeholder 2">
             <a:extLst>
               <a:ext uri="{FF2B5EF4-FFF2-40B4-BE49-F238E27FC236}">
-                <a16:creationId xmlns:a16="http://schemas.microsoft.com/office/drawing/2014/main" id="{58AE7285-2250-4AE8-93ED-187E4BCFFE55}"/>
+                <a16:creationId xmlns:a16="http://schemas.microsoft.com/office/drawing/2014/main" xmlns="" id="{58AE7285-2250-4AE8-93ED-187E4BCFFE55}"/>
               </a:ext>
             </a:extLst>
           </p:cNvPr>
@@ -10684,7 +9871,7 @@
           <p:cNvPr id="4" name="Footer Placeholder 3">
             <a:extLst>
               <a:ext uri="{FF2B5EF4-FFF2-40B4-BE49-F238E27FC236}">
-                <a16:creationId xmlns:a16="http://schemas.microsoft.com/office/drawing/2014/main" id="{49971016-FBB9-4FE9-A94D-721F4E0A6EF7}"/>
+                <a16:creationId xmlns:a16="http://schemas.microsoft.com/office/drawing/2014/main" xmlns="" id="{49971016-FBB9-4FE9-A94D-721F4E0A6EF7}"/>
               </a:ext>
             </a:extLst>
           </p:cNvPr>
@@ -10730,7 +9917,7 @@
           <p:cNvPr id="5" name="Slide Number Placeholder 4">
             <a:extLst>
               <a:ext uri="{FF2B5EF4-FFF2-40B4-BE49-F238E27FC236}">
-                <a16:creationId xmlns:a16="http://schemas.microsoft.com/office/drawing/2014/main" id="{D5EC5FDC-86E9-486E-98A5-8B49B12E54F7}"/>
+                <a16:creationId xmlns:a16="http://schemas.microsoft.com/office/drawing/2014/main" xmlns="" id="{D5EC5FDC-86E9-486E-98A5-8B49B12E54F7}"/>
               </a:ext>
             </a:extLst>
           </p:cNvPr>
@@ -10818,7 +10005,7 @@
           <p:cNvPr id="2" name="Title 1">
             <a:extLst>
               <a:ext uri="{FF2B5EF4-FFF2-40B4-BE49-F238E27FC236}">
-                <a16:creationId xmlns:a16="http://schemas.microsoft.com/office/drawing/2014/main" id="{57A0DA4F-40A5-49BB-B323-D3F19CB5388D}"/>
+                <a16:creationId xmlns:a16="http://schemas.microsoft.com/office/drawing/2014/main" xmlns="" id="{57A0DA4F-40A5-49BB-B323-D3F19CB5388D}"/>
               </a:ext>
             </a:extLst>
           </p:cNvPr>
@@ -10847,7 +10034,7 @@
           <p:cNvPr id="4" name="Footer Placeholder 3">
             <a:extLst>
               <a:ext uri="{FF2B5EF4-FFF2-40B4-BE49-F238E27FC236}">
-                <a16:creationId xmlns:a16="http://schemas.microsoft.com/office/drawing/2014/main" id="{AFB9EB10-E00D-4AC8-B514-39D5AF6C3DE6}"/>
+                <a16:creationId xmlns:a16="http://schemas.microsoft.com/office/drawing/2014/main" xmlns="" id="{AFB9EB10-E00D-4AC8-B514-39D5AF6C3DE6}"/>
               </a:ext>
             </a:extLst>
           </p:cNvPr>
@@ -10875,7 +10062,7 @@
           <p:cNvPr id="5" name="Slide Number Placeholder 4">
             <a:extLst>
               <a:ext uri="{FF2B5EF4-FFF2-40B4-BE49-F238E27FC236}">
-                <a16:creationId xmlns:a16="http://schemas.microsoft.com/office/drawing/2014/main" id="{D9D3A7EA-EFF0-4442-99E2-6F930F8BE0E6}"/>
+                <a16:creationId xmlns:a16="http://schemas.microsoft.com/office/drawing/2014/main" xmlns="" id="{D9D3A7EA-EFF0-4442-99E2-6F930F8BE0E6}"/>
               </a:ext>
             </a:extLst>
           </p:cNvPr>
@@ -10904,7 +10091,7 @@
           <p:cNvPr id="6" name="Content Placeholder 5">
             <a:extLst>
               <a:ext uri="{FF2B5EF4-FFF2-40B4-BE49-F238E27FC236}">
-                <a16:creationId xmlns:a16="http://schemas.microsoft.com/office/drawing/2014/main" id="{CEA1D100-C2E4-44C4-BC8E-BC4292E34212}"/>
+                <a16:creationId xmlns:a16="http://schemas.microsoft.com/office/drawing/2014/main" xmlns="" id="{CEA1D100-C2E4-44C4-BC8E-BC4292E34212}"/>
               </a:ext>
             </a:extLst>
           </p:cNvPr>
@@ -10976,7 +10163,7 @@
           <p:cNvPr id="5124" name="Picture 4" descr="Image result for kanban vorgehensmodell">
             <a:extLst>
               <a:ext uri="{FF2B5EF4-FFF2-40B4-BE49-F238E27FC236}">
-                <a16:creationId xmlns:a16="http://schemas.microsoft.com/office/drawing/2014/main" id="{34554836-711E-4196-81B8-1E117EAAE39F}"/>
+                <a16:creationId xmlns:a16="http://schemas.microsoft.com/office/drawing/2014/main" xmlns="" id="{34554836-711E-4196-81B8-1E117EAAE39F}"/>
               </a:ext>
             </a:extLst>
           </p:cNvPr>
@@ -11053,7 +10240,7 @@
           <p:cNvPr id="2" name="Title 1">
             <a:extLst>
               <a:ext uri="{FF2B5EF4-FFF2-40B4-BE49-F238E27FC236}">
-                <a16:creationId xmlns:a16="http://schemas.microsoft.com/office/drawing/2014/main" id="{26F90392-B35F-476E-ACD9-9FD530C374BA}"/>
+                <a16:creationId xmlns:a16="http://schemas.microsoft.com/office/drawing/2014/main" xmlns="" id="{26F90392-B35F-476E-ACD9-9FD530C374BA}"/>
               </a:ext>
             </a:extLst>
           </p:cNvPr>
@@ -11082,7 +10269,7 @@
           <p:cNvPr id="3" name="Content Placeholder 2">
             <a:extLst>
               <a:ext uri="{FF2B5EF4-FFF2-40B4-BE49-F238E27FC236}">
-                <a16:creationId xmlns:a16="http://schemas.microsoft.com/office/drawing/2014/main" id="{E8692DAD-1800-4DF2-97CF-050CF5ABD0D5}"/>
+                <a16:creationId xmlns:a16="http://schemas.microsoft.com/office/drawing/2014/main" xmlns="" id="{E8692DAD-1800-4DF2-97CF-050CF5ABD0D5}"/>
               </a:ext>
             </a:extLst>
           </p:cNvPr>
@@ -11218,7 +10405,7 @@
           <p:cNvPr id="4" name="Footer Placeholder 3">
             <a:extLst>
               <a:ext uri="{FF2B5EF4-FFF2-40B4-BE49-F238E27FC236}">
-                <a16:creationId xmlns:a16="http://schemas.microsoft.com/office/drawing/2014/main" id="{83C4A3E0-D300-403D-8D6C-D5A509B95C91}"/>
+                <a16:creationId xmlns:a16="http://schemas.microsoft.com/office/drawing/2014/main" xmlns="" id="{83C4A3E0-D300-403D-8D6C-D5A509B95C91}"/>
               </a:ext>
             </a:extLst>
           </p:cNvPr>
@@ -11246,7 +10433,7 @@
           <p:cNvPr id="5" name="Slide Number Placeholder 4">
             <a:extLst>
               <a:ext uri="{FF2B5EF4-FFF2-40B4-BE49-F238E27FC236}">
-                <a16:creationId xmlns:a16="http://schemas.microsoft.com/office/drawing/2014/main" id="{049B994E-E578-4608-921C-1E9846521B61}"/>
+                <a16:creationId xmlns:a16="http://schemas.microsoft.com/office/drawing/2014/main" xmlns="" id="{049B994E-E578-4608-921C-1E9846521B61}"/>
               </a:ext>
             </a:extLst>
           </p:cNvPr>
@@ -11313,10 +10500,10 @@
           <p:cNvPr id="19" name="Rectangle 18">
             <a:extLst>
               <a:ext uri="{FF2B5EF4-FFF2-40B4-BE49-F238E27FC236}">
-                <a16:creationId xmlns:a16="http://schemas.microsoft.com/office/drawing/2014/main" id="{8D70B121-56F4-4848-B38B-182089D909FA}"/>
+                <a16:creationId xmlns:a16="http://schemas.microsoft.com/office/drawing/2014/main" xmlns="" id="{8D70B121-56F4-4848-B38B-182089D909FA}"/>
               </a:ext>
               <a:ext uri="{C183D7F6-B498-43B3-948B-1728B52AA6E4}">
-                <adec:decorative xmlns:adec="http://schemas.microsoft.com/office/drawing/2017/decorative" val="1"/>
+                <adec:decorative xmlns:adec="http://schemas.microsoft.com/office/drawing/2017/decorative" xmlns="" val="1"/>
               </a:ext>
             </a:extLst>
           </p:cNvPr>
@@ -11326,7 +10513,7 @@
           <p:nvPr>
             <p:extLst>
               <p:ext uri="{386F3935-93C4-4BCD-93E2-E3B085C9AB24}">
-                <p16:designElem xmlns:p16="http://schemas.microsoft.com/office/powerpoint/2015/main" val="1"/>
+                <p16:designElem xmlns:p16="http://schemas.microsoft.com/office/powerpoint/2015/main" xmlns="" val="1"/>
               </p:ext>
             </p:extLst>
           </p:nvPr>
@@ -11378,7 +10565,7 @@
           <p:cNvPr id="2" name="Title 1">
             <a:extLst>
               <a:ext uri="{FF2B5EF4-FFF2-40B4-BE49-F238E27FC236}">
-                <a16:creationId xmlns:a16="http://schemas.microsoft.com/office/drawing/2014/main" id="{AE02587A-B168-4EDA-B172-00945B968CFB}"/>
+                <a16:creationId xmlns:a16="http://schemas.microsoft.com/office/drawing/2014/main" xmlns="" id="{AE02587A-B168-4EDA-B172-00945B968CFB}"/>
               </a:ext>
             </a:extLst>
           </p:cNvPr>
@@ -11423,10 +10610,10 @@
           <p:cNvPr id="23" name="Straight Connector 20">
             <a:extLst>
               <a:ext uri="{FF2B5EF4-FFF2-40B4-BE49-F238E27FC236}">
-                <a16:creationId xmlns:a16="http://schemas.microsoft.com/office/drawing/2014/main" id="{2D72A2C9-F3CA-4216-8BAD-FA4C970C3C4E}"/>
+                <a16:creationId xmlns:a16="http://schemas.microsoft.com/office/drawing/2014/main" xmlns="" id="{2D72A2C9-F3CA-4216-8BAD-FA4C970C3C4E}"/>
               </a:ext>
               <a:ext uri="{C183D7F6-B498-43B3-948B-1728B52AA6E4}">
-                <adec:decorative xmlns:adec="http://schemas.microsoft.com/office/drawing/2017/decorative" val="1"/>
+                <adec:decorative xmlns:adec="http://schemas.microsoft.com/office/drawing/2017/decorative" xmlns="" val="1"/>
               </a:ext>
             </a:extLst>
           </p:cNvPr>
@@ -11436,7 +10623,7 @@
           <p:nvPr>
             <p:extLst>
               <p:ext uri="{386F3935-93C4-4BCD-93E2-E3B085C9AB24}">
-                <p16:designElem xmlns:p16="http://schemas.microsoft.com/office/powerpoint/2015/main" val="1"/>
+                <p16:designElem xmlns:p16="http://schemas.microsoft.com/office/powerpoint/2015/main" xmlns="" val="1"/>
               </p:ext>
             </p:extLst>
           </p:nvPr>
@@ -11478,7 +10665,7 @@
           <p:cNvPr id="24" name="Content Placeholder 2">
             <a:extLst>
               <a:ext uri="{FF2B5EF4-FFF2-40B4-BE49-F238E27FC236}">
-                <a16:creationId xmlns:a16="http://schemas.microsoft.com/office/drawing/2014/main" id="{63B7A749-3EB8-4529-9230-EF6BB503CCAC}"/>
+                <a16:creationId xmlns:a16="http://schemas.microsoft.com/office/drawing/2014/main" xmlns="" id="{63B7A749-3EB8-4529-9230-EF6BB503CCAC}"/>
               </a:ext>
             </a:extLst>
           </p:cNvPr>
@@ -11569,7 +10756,7 @@
           <p:cNvPr id="4" name="Footer Placeholder 3">
             <a:extLst>
               <a:ext uri="{FF2B5EF4-FFF2-40B4-BE49-F238E27FC236}">
-                <a16:creationId xmlns:a16="http://schemas.microsoft.com/office/drawing/2014/main" id="{6E1671C9-F949-4187-BD16-EA75A1CA3720}"/>
+                <a16:creationId xmlns:a16="http://schemas.microsoft.com/office/drawing/2014/main" xmlns="" id="{6E1671C9-F949-4187-BD16-EA75A1CA3720}"/>
               </a:ext>
             </a:extLst>
           </p:cNvPr>
@@ -11615,7 +10802,7 @@
           <p:cNvPr id="5" name="Slide Number Placeholder 4">
             <a:extLst>
               <a:ext uri="{FF2B5EF4-FFF2-40B4-BE49-F238E27FC236}">
-                <a16:creationId xmlns:a16="http://schemas.microsoft.com/office/drawing/2014/main" id="{6169BA0D-6439-48C5-9FA9-69BDE9890110}"/>
+                <a16:creationId xmlns:a16="http://schemas.microsoft.com/office/drawing/2014/main" xmlns="" id="{6169BA0D-6439-48C5-9FA9-69BDE9890110}"/>
               </a:ext>
             </a:extLst>
           </p:cNvPr>
@@ -11711,10 +10898,10 @@
           <p:cNvPr id="12" name="Freeform: Shape 11">
             <a:extLst>
               <a:ext uri="{FF2B5EF4-FFF2-40B4-BE49-F238E27FC236}">
-                <a16:creationId xmlns:a16="http://schemas.microsoft.com/office/drawing/2014/main" id="{46C2E80F-49A6-4372-B103-219D417A55ED}"/>
+                <a16:creationId xmlns:a16="http://schemas.microsoft.com/office/drawing/2014/main" xmlns="" id="{46C2E80F-49A6-4372-B103-219D417A55ED}"/>
               </a:ext>
               <a:ext uri="{C183D7F6-B498-43B3-948B-1728B52AA6E4}">
-                <adec:decorative xmlns:adec="http://schemas.microsoft.com/office/drawing/2017/decorative" val="1"/>
+                <adec:decorative xmlns:adec="http://schemas.microsoft.com/office/drawing/2017/decorative" xmlns="" val="1"/>
               </a:ext>
             </a:extLst>
           </p:cNvPr>
@@ -11724,7 +10911,7 @@
           <p:nvPr>
             <p:extLst>
               <p:ext uri="{386F3935-93C4-4BCD-93E2-E3B085C9AB24}">
-                <p16:designElem xmlns:p16="http://schemas.microsoft.com/office/powerpoint/2015/main" val="1"/>
+                <p16:designElem xmlns:p16="http://schemas.microsoft.com/office/powerpoint/2015/main" xmlns="" val="1"/>
               </p:ext>
             </p:extLst>
           </p:nvPr>
@@ -12192,7 +11379,7 @@
           <p:cNvPr id="2" name="Title 1">
             <a:extLst>
               <a:ext uri="{FF2B5EF4-FFF2-40B4-BE49-F238E27FC236}">
-                <a16:creationId xmlns:a16="http://schemas.microsoft.com/office/drawing/2014/main" id="{89003E9A-A18B-4902-9EB6-B2DF60FB9D3E}"/>
+                <a16:creationId xmlns:a16="http://schemas.microsoft.com/office/drawing/2014/main" xmlns="" id="{89003E9A-A18B-4902-9EB6-B2DF60FB9D3E}"/>
               </a:ext>
             </a:extLst>
           </p:cNvPr>
@@ -12236,7 +11423,7 @@
           <p:cNvPr id="4" name="Footer Placeholder 3">
             <a:extLst>
               <a:ext uri="{FF2B5EF4-FFF2-40B4-BE49-F238E27FC236}">
-                <a16:creationId xmlns:a16="http://schemas.microsoft.com/office/drawing/2014/main" id="{B451E7A8-059E-4FAB-9F8E-254A041035DF}"/>
+                <a16:creationId xmlns:a16="http://schemas.microsoft.com/office/drawing/2014/main" xmlns="" id="{B451E7A8-059E-4FAB-9F8E-254A041035DF}"/>
               </a:ext>
             </a:extLst>
           </p:cNvPr>
@@ -12282,7 +11469,7 @@
           <p:cNvPr id="5" name="Slide Number Placeholder 4">
             <a:extLst>
               <a:ext uri="{FF2B5EF4-FFF2-40B4-BE49-F238E27FC236}">
-                <a16:creationId xmlns:a16="http://schemas.microsoft.com/office/drawing/2014/main" id="{B994F667-8375-403A-915D-8B624883DEB6}"/>
+                <a16:creationId xmlns:a16="http://schemas.microsoft.com/office/drawing/2014/main" xmlns="" id="{B994F667-8375-403A-915D-8B624883DEB6}"/>
               </a:ext>
             </a:extLst>
           </p:cNvPr>
@@ -12340,7 +11527,7 @@
           <p:cNvPr id="7" name="Content Placeholder 2">
             <a:extLst>
               <a:ext uri="{FF2B5EF4-FFF2-40B4-BE49-F238E27FC236}">
-                <a16:creationId xmlns:a16="http://schemas.microsoft.com/office/drawing/2014/main" id="{38CA968B-7C7F-4244-B939-296E6FF3153E}"/>
+                <a16:creationId xmlns:a16="http://schemas.microsoft.com/office/drawing/2014/main" xmlns="" id="{38CA968B-7C7F-4244-B939-296E6FF3153E}"/>
               </a:ext>
             </a:extLst>
           </p:cNvPr>
@@ -12401,7 +11588,7 @@
           <p:cNvPr id="2" name="Title 1">
             <a:extLst>
               <a:ext uri="{FF2B5EF4-FFF2-40B4-BE49-F238E27FC236}">
-                <a16:creationId xmlns:a16="http://schemas.microsoft.com/office/drawing/2014/main" id="{1866D783-22F6-4275-8AE6-992FA1E9BFDC}"/>
+                <a16:creationId xmlns:a16="http://schemas.microsoft.com/office/drawing/2014/main" xmlns="" id="{1866D783-22F6-4275-8AE6-992FA1E9BFDC}"/>
               </a:ext>
             </a:extLst>
           </p:cNvPr>
@@ -12434,7 +11621,7 @@
           <p:cNvPr id="6" name="Table 6">
             <a:extLst>
               <a:ext uri="{FF2B5EF4-FFF2-40B4-BE49-F238E27FC236}">
-                <a16:creationId xmlns:a16="http://schemas.microsoft.com/office/drawing/2014/main" id="{CCCF4E5F-21A3-4850-8520-F2333A43F82D}"/>
+                <a16:creationId xmlns:a16="http://schemas.microsoft.com/office/drawing/2014/main" xmlns="" id="{CCCF4E5F-21A3-4850-8520-F2333A43F82D}"/>
               </a:ext>
             </a:extLst>
           </p:cNvPr>
@@ -12464,14 +11651,14 @@
                 <a:gridCol w="3054739">
                   <a:extLst>
                     <a:ext uri="{9D8B030D-6E8A-4147-A177-3AD203B41FA5}">
-                      <a16:colId xmlns:a16="http://schemas.microsoft.com/office/drawing/2014/main" val="2508942839"/>
+                      <a16:colId xmlns:a16="http://schemas.microsoft.com/office/drawing/2014/main" xmlns="" val="2508942839"/>
                     </a:ext>
                   </a:extLst>
                 </a:gridCol>
                 <a:gridCol w="3054739">
                   <a:extLst>
                     <a:ext uri="{9D8B030D-6E8A-4147-A177-3AD203B41FA5}">
-                      <a16:colId xmlns:a16="http://schemas.microsoft.com/office/drawing/2014/main" val="3564257602"/>
+                      <a16:colId xmlns:a16="http://schemas.microsoft.com/office/drawing/2014/main" xmlns="" val="3564257602"/>
                     </a:ext>
                   </a:extLst>
                 </a:gridCol>
@@ -12507,7 +11694,7 @@
                 </a:tc>
                 <a:extLst>
                   <a:ext uri="{0D108BD9-81ED-4DB2-BD59-A6C34878D82A}">
-                    <a16:rowId xmlns:a16="http://schemas.microsoft.com/office/drawing/2014/main" val="3441283032"/>
+                    <a16:rowId xmlns:a16="http://schemas.microsoft.com/office/drawing/2014/main" xmlns="" val="3441283032"/>
                   </a:ext>
                 </a:extLst>
               </a:tr>
@@ -12542,7 +11729,7 @@
                 </a:tc>
                 <a:extLst>
                   <a:ext uri="{0D108BD9-81ED-4DB2-BD59-A6C34878D82A}">
-                    <a16:rowId xmlns:a16="http://schemas.microsoft.com/office/drawing/2014/main" val="1993167320"/>
+                    <a16:rowId xmlns:a16="http://schemas.microsoft.com/office/drawing/2014/main" xmlns="" val="1993167320"/>
                   </a:ext>
                 </a:extLst>
               </a:tr>
@@ -12576,7 +11763,7 @@
                 </a:tc>
                 <a:extLst>
                   <a:ext uri="{0D108BD9-81ED-4DB2-BD59-A6C34878D82A}">
-                    <a16:rowId xmlns:a16="http://schemas.microsoft.com/office/drawing/2014/main" val="3456686852"/>
+                    <a16:rowId xmlns:a16="http://schemas.microsoft.com/office/drawing/2014/main" xmlns="" val="3456686852"/>
                   </a:ext>
                 </a:extLst>
               </a:tr>
@@ -12609,7 +11796,7 @@
                 </a:tc>
                 <a:extLst>
                   <a:ext uri="{0D108BD9-81ED-4DB2-BD59-A6C34878D82A}">
-                    <a16:rowId xmlns:a16="http://schemas.microsoft.com/office/drawing/2014/main" val="2703575796"/>
+                    <a16:rowId xmlns:a16="http://schemas.microsoft.com/office/drawing/2014/main" xmlns="" val="2703575796"/>
                   </a:ext>
                 </a:extLst>
               </a:tr>
@@ -12642,7 +11829,7 @@
                 </a:tc>
                 <a:extLst>
                   <a:ext uri="{0D108BD9-81ED-4DB2-BD59-A6C34878D82A}">
-                    <a16:rowId xmlns:a16="http://schemas.microsoft.com/office/drawing/2014/main" val="287685306"/>
+                    <a16:rowId xmlns:a16="http://schemas.microsoft.com/office/drawing/2014/main" xmlns="" val="287685306"/>
                   </a:ext>
                 </a:extLst>
               </a:tr>
@@ -12675,7 +11862,7 @@
                 </a:tc>
                 <a:extLst>
                   <a:ext uri="{0D108BD9-81ED-4DB2-BD59-A6C34878D82A}">
-                    <a16:rowId xmlns:a16="http://schemas.microsoft.com/office/drawing/2014/main" val="3780179623"/>
+                    <a16:rowId xmlns:a16="http://schemas.microsoft.com/office/drawing/2014/main" xmlns="" val="3780179623"/>
                   </a:ext>
                 </a:extLst>
               </a:tr>
@@ -12708,7 +11895,7 @@
                 </a:tc>
                 <a:extLst>
                   <a:ext uri="{0D108BD9-81ED-4DB2-BD59-A6C34878D82A}">
-                    <a16:rowId xmlns:a16="http://schemas.microsoft.com/office/drawing/2014/main" val="1948820790"/>
+                    <a16:rowId xmlns:a16="http://schemas.microsoft.com/office/drawing/2014/main" xmlns="" val="1948820790"/>
                   </a:ext>
                 </a:extLst>
               </a:tr>
@@ -12741,7 +11928,7 @@
                 </a:tc>
                 <a:extLst>
                   <a:ext uri="{0D108BD9-81ED-4DB2-BD59-A6C34878D82A}">
-                    <a16:rowId xmlns:a16="http://schemas.microsoft.com/office/drawing/2014/main" val="1265275123"/>
+                    <a16:rowId xmlns:a16="http://schemas.microsoft.com/office/drawing/2014/main" xmlns="" val="1265275123"/>
                   </a:ext>
                 </a:extLst>
               </a:tr>
@@ -12774,7 +11961,7 @@
                 </a:tc>
                 <a:extLst>
                   <a:ext uri="{0D108BD9-81ED-4DB2-BD59-A6C34878D82A}">
-                    <a16:rowId xmlns:a16="http://schemas.microsoft.com/office/drawing/2014/main" val="3050830454"/>
+                    <a16:rowId xmlns:a16="http://schemas.microsoft.com/office/drawing/2014/main" xmlns="" val="3050830454"/>
                   </a:ext>
                 </a:extLst>
               </a:tr>
@@ -12787,7 +11974,7 @@
           <p:cNvPr id="4" name="Footer Placeholder 3">
             <a:extLst>
               <a:ext uri="{FF2B5EF4-FFF2-40B4-BE49-F238E27FC236}">
-                <a16:creationId xmlns:a16="http://schemas.microsoft.com/office/drawing/2014/main" id="{015587BD-9B75-4B3D-ADAC-A1321A42DF91}"/>
+                <a16:creationId xmlns:a16="http://schemas.microsoft.com/office/drawing/2014/main" xmlns="" id="{015587BD-9B75-4B3D-ADAC-A1321A42DF91}"/>
               </a:ext>
             </a:extLst>
           </p:cNvPr>
@@ -12815,7 +12002,7 @@
           <p:cNvPr id="5" name="Slide Number Placeholder 4">
             <a:extLst>
               <a:ext uri="{FF2B5EF4-FFF2-40B4-BE49-F238E27FC236}">
-                <a16:creationId xmlns:a16="http://schemas.microsoft.com/office/drawing/2014/main" id="{BEB904AB-CCE3-4B52-ADE9-A5129273B574}"/>
+                <a16:creationId xmlns:a16="http://schemas.microsoft.com/office/drawing/2014/main" xmlns="" id="{BEB904AB-CCE3-4B52-ADE9-A5129273B574}"/>
               </a:ext>
             </a:extLst>
           </p:cNvPr>
@@ -12874,7 +12061,7 @@
           <p:cNvPr id="2" name="Title 1">
             <a:extLst>
               <a:ext uri="{FF2B5EF4-FFF2-40B4-BE49-F238E27FC236}">
-                <a16:creationId xmlns:a16="http://schemas.microsoft.com/office/drawing/2014/main" id="{1866D783-22F6-4275-8AE6-992FA1E9BFDC}"/>
+                <a16:creationId xmlns:a16="http://schemas.microsoft.com/office/drawing/2014/main" xmlns="" id="{1866D783-22F6-4275-8AE6-992FA1E9BFDC}"/>
               </a:ext>
             </a:extLst>
           </p:cNvPr>
@@ -12907,7 +12094,7 @@
           <p:cNvPr id="6" name="Table 6">
             <a:extLst>
               <a:ext uri="{FF2B5EF4-FFF2-40B4-BE49-F238E27FC236}">
-                <a16:creationId xmlns:a16="http://schemas.microsoft.com/office/drawing/2014/main" id="{CCCF4E5F-21A3-4850-8520-F2333A43F82D}"/>
+                <a16:creationId xmlns:a16="http://schemas.microsoft.com/office/drawing/2014/main" xmlns="" id="{CCCF4E5F-21A3-4850-8520-F2333A43F82D}"/>
               </a:ext>
             </a:extLst>
           </p:cNvPr>
@@ -12937,14 +12124,14 @@
                 <a:gridCol w="4129455">
                   <a:extLst>
                     <a:ext uri="{9D8B030D-6E8A-4147-A177-3AD203B41FA5}">
-                      <a16:colId xmlns:a16="http://schemas.microsoft.com/office/drawing/2014/main" val="2508942839"/>
+                      <a16:colId xmlns:a16="http://schemas.microsoft.com/office/drawing/2014/main" xmlns="" val="2508942839"/>
                     </a:ext>
                   </a:extLst>
                 </a:gridCol>
                 <a:gridCol w="4129455">
                   <a:extLst>
                     <a:ext uri="{9D8B030D-6E8A-4147-A177-3AD203B41FA5}">
-                      <a16:colId xmlns:a16="http://schemas.microsoft.com/office/drawing/2014/main" val="3564257602"/>
+                      <a16:colId xmlns:a16="http://schemas.microsoft.com/office/drawing/2014/main" xmlns="" val="3564257602"/>
                     </a:ext>
                   </a:extLst>
                 </a:gridCol>
@@ -12980,7 +12167,7 @@
                 </a:tc>
                 <a:extLst>
                   <a:ext uri="{0D108BD9-81ED-4DB2-BD59-A6C34878D82A}">
-                    <a16:rowId xmlns:a16="http://schemas.microsoft.com/office/drawing/2014/main" val="3441283032"/>
+                    <a16:rowId xmlns:a16="http://schemas.microsoft.com/office/drawing/2014/main" xmlns="" val="3441283032"/>
                   </a:ext>
                 </a:extLst>
               </a:tr>
@@ -13021,7 +12208,7 @@
                 </a:tc>
                 <a:extLst>
                   <a:ext uri="{0D108BD9-81ED-4DB2-BD59-A6C34878D82A}">
-                    <a16:rowId xmlns:a16="http://schemas.microsoft.com/office/drawing/2014/main" val="2354215019"/>
+                    <a16:rowId xmlns:a16="http://schemas.microsoft.com/office/drawing/2014/main" xmlns="" val="2354215019"/>
                   </a:ext>
                 </a:extLst>
               </a:tr>
@@ -13054,7 +12241,7 @@
                 </a:tc>
                 <a:extLst>
                   <a:ext uri="{0D108BD9-81ED-4DB2-BD59-A6C34878D82A}">
-                    <a16:rowId xmlns:a16="http://schemas.microsoft.com/office/drawing/2014/main" val="3456686852"/>
+                    <a16:rowId xmlns:a16="http://schemas.microsoft.com/office/drawing/2014/main" xmlns="" val="3456686852"/>
                   </a:ext>
                 </a:extLst>
               </a:tr>
@@ -13087,7 +12274,7 @@
                 </a:tc>
                 <a:extLst>
                   <a:ext uri="{0D108BD9-81ED-4DB2-BD59-A6C34878D82A}">
-                    <a16:rowId xmlns:a16="http://schemas.microsoft.com/office/drawing/2014/main" val="2703575796"/>
+                    <a16:rowId xmlns:a16="http://schemas.microsoft.com/office/drawing/2014/main" xmlns="" val="2703575796"/>
                   </a:ext>
                 </a:extLst>
               </a:tr>
@@ -13120,7 +12307,7 @@
                 </a:tc>
                 <a:extLst>
                   <a:ext uri="{0D108BD9-81ED-4DB2-BD59-A6C34878D82A}">
-                    <a16:rowId xmlns:a16="http://schemas.microsoft.com/office/drawing/2014/main" val="287685306"/>
+                    <a16:rowId xmlns:a16="http://schemas.microsoft.com/office/drawing/2014/main" xmlns="" val="287685306"/>
                   </a:ext>
                 </a:extLst>
               </a:tr>
@@ -13153,7 +12340,7 @@
                 </a:tc>
                 <a:extLst>
                   <a:ext uri="{0D108BD9-81ED-4DB2-BD59-A6C34878D82A}">
-                    <a16:rowId xmlns:a16="http://schemas.microsoft.com/office/drawing/2014/main" val="3780179623"/>
+                    <a16:rowId xmlns:a16="http://schemas.microsoft.com/office/drawing/2014/main" xmlns="" val="3780179623"/>
                   </a:ext>
                 </a:extLst>
               </a:tr>
@@ -13166,7 +12353,7 @@
           <p:cNvPr id="4" name="Footer Placeholder 3">
             <a:extLst>
               <a:ext uri="{FF2B5EF4-FFF2-40B4-BE49-F238E27FC236}">
-                <a16:creationId xmlns:a16="http://schemas.microsoft.com/office/drawing/2014/main" id="{015587BD-9B75-4B3D-ADAC-A1321A42DF91}"/>
+                <a16:creationId xmlns:a16="http://schemas.microsoft.com/office/drawing/2014/main" xmlns="" id="{015587BD-9B75-4B3D-ADAC-A1321A42DF91}"/>
               </a:ext>
             </a:extLst>
           </p:cNvPr>
@@ -13194,7 +12381,7 @@
           <p:cNvPr id="5" name="Slide Number Placeholder 4">
             <a:extLst>
               <a:ext uri="{FF2B5EF4-FFF2-40B4-BE49-F238E27FC236}">
-                <a16:creationId xmlns:a16="http://schemas.microsoft.com/office/drawing/2014/main" id="{BEB904AB-CCE3-4B52-ADE9-A5129273B574}"/>
+                <a16:creationId xmlns:a16="http://schemas.microsoft.com/office/drawing/2014/main" xmlns="" id="{BEB904AB-CCE3-4B52-ADE9-A5129273B574}"/>
               </a:ext>
             </a:extLst>
           </p:cNvPr>
@@ -13253,7 +12440,7 @@
           <p:cNvPr id="10" name="TextBox 9">
             <a:extLst>
               <a:ext uri="{FF2B5EF4-FFF2-40B4-BE49-F238E27FC236}">
-                <a16:creationId xmlns:a16="http://schemas.microsoft.com/office/drawing/2014/main" id="{0EC7CB5C-2C3D-4A9E-BB5E-032FF2465606}"/>
+                <a16:creationId xmlns:a16="http://schemas.microsoft.com/office/drawing/2014/main" xmlns="" id="{0EC7CB5C-2C3D-4A9E-BB5E-032FF2465606}"/>
               </a:ext>
             </a:extLst>
           </p:cNvPr>
@@ -13285,7 +12472,7 @@
           <p:cNvPr id="3" name="Picture 2" descr="A picture containing implement, pencil, computer, sitting&#10;&#10;Description automatically generated">
             <a:extLst>
               <a:ext uri="{FF2B5EF4-FFF2-40B4-BE49-F238E27FC236}">
-                <a16:creationId xmlns:a16="http://schemas.microsoft.com/office/drawing/2014/main" id="{EAC737AC-7EDE-4FC3-BCB3-AD1B0ED862F8}"/>
+                <a16:creationId xmlns:a16="http://schemas.microsoft.com/office/drawing/2014/main" xmlns="" id="{EAC737AC-7EDE-4FC3-BCB3-AD1B0ED862F8}"/>
               </a:ext>
             </a:extLst>
           </p:cNvPr>
@@ -13295,7 +12482,7 @@
           <p:nvPr/>
         </p:nvPicPr>
         <p:blipFill>
-          <a:blip r:embed="rId3">
+          <a:blip r:embed="rId3" cstate="print">
             <a:extLst>
               <a:ext uri="{28A0092B-C50C-407E-A947-70E740481C1C}">
                 <a14:useLocalDpi xmlns:a14="http://schemas.microsoft.com/office/drawing/2010/main" val="0"/>
@@ -13351,7 +12538,7 @@
           <p:cNvPr id="2" name="Title 1">
             <a:extLst>
               <a:ext uri="{FF2B5EF4-FFF2-40B4-BE49-F238E27FC236}">
-                <a16:creationId xmlns:a16="http://schemas.microsoft.com/office/drawing/2014/main" id="{14BB4CA7-10A0-4BD8-893C-AE2B4A2FF84F}"/>
+                <a16:creationId xmlns:a16="http://schemas.microsoft.com/office/drawing/2014/main" xmlns="" id="{14BB4CA7-10A0-4BD8-893C-AE2B4A2FF84F}"/>
               </a:ext>
             </a:extLst>
           </p:cNvPr>
@@ -13385,7 +12572,7 @@
           <p:cNvPr id="3" name="Content Placeholder 2">
             <a:extLst>
               <a:ext uri="{FF2B5EF4-FFF2-40B4-BE49-F238E27FC236}">
-                <a16:creationId xmlns:a16="http://schemas.microsoft.com/office/drawing/2014/main" id="{848F61B3-7DF1-4D4E-94C0-1EE1AABBC762}"/>
+                <a16:creationId xmlns:a16="http://schemas.microsoft.com/office/drawing/2014/main" xmlns="" id="{848F61B3-7DF1-4D4E-94C0-1EE1AABBC762}"/>
               </a:ext>
             </a:extLst>
           </p:cNvPr>
@@ -13487,7 +12674,7 @@
           <p:cNvPr id="4" name="Footer Placeholder 3">
             <a:extLst>
               <a:ext uri="{FF2B5EF4-FFF2-40B4-BE49-F238E27FC236}">
-                <a16:creationId xmlns:a16="http://schemas.microsoft.com/office/drawing/2014/main" id="{1B0D6957-D9D8-4321-9641-EC62A14BB00E}"/>
+                <a16:creationId xmlns:a16="http://schemas.microsoft.com/office/drawing/2014/main" xmlns="" id="{1B0D6957-D9D8-4321-9641-EC62A14BB00E}"/>
               </a:ext>
             </a:extLst>
           </p:cNvPr>
@@ -13520,7 +12707,7 @@
           <p:cNvPr id="5" name="Slide Number Placeholder 4">
             <a:extLst>
               <a:ext uri="{FF2B5EF4-FFF2-40B4-BE49-F238E27FC236}">
-                <a16:creationId xmlns:a16="http://schemas.microsoft.com/office/drawing/2014/main" id="{7E8F5C20-2711-4408-A5E1-E00109A817DA}"/>
+                <a16:creationId xmlns:a16="http://schemas.microsoft.com/office/drawing/2014/main" xmlns="" id="{7E8F5C20-2711-4408-A5E1-E00109A817DA}"/>
               </a:ext>
             </a:extLst>
           </p:cNvPr>
@@ -13584,7 +12771,7 @@
           <p:cNvPr id="2" name="Title 1">
             <a:extLst>
               <a:ext uri="{FF2B5EF4-FFF2-40B4-BE49-F238E27FC236}">
-                <a16:creationId xmlns:a16="http://schemas.microsoft.com/office/drawing/2014/main" id="{E1B15153-BB93-46F2-ACFF-4B31903307C4}"/>
+                <a16:creationId xmlns:a16="http://schemas.microsoft.com/office/drawing/2014/main" xmlns="" id="{E1B15153-BB93-46F2-ACFF-4B31903307C4}"/>
               </a:ext>
             </a:extLst>
           </p:cNvPr>
@@ -13625,7 +12812,7 @@
           <p:cNvPr id="3" name="Content Placeholder 2">
             <a:extLst>
               <a:ext uri="{FF2B5EF4-FFF2-40B4-BE49-F238E27FC236}">
-                <a16:creationId xmlns:a16="http://schemas.microsoft.com/office/drawing/2014/main" id="{C401397F-FC81-4392-BB4A-18CBCEC74A82}"/>
+                <a16:creationId xmlns:a16="http://schemas.microsoft.com/office/drawing/2014/main" xmlns="" id="{C401397F-FC81-4392-BB4A-18CBCEC74A82}"/>
               </a:ext>
             </a:extLst>
           </p:cNvPr>
@@ -13730,7 +12917,7 @@
           <p:cNvPr id="4" name="Footer Placeholder 3">
             <a:extLst>
               <a:ext uri="{FF2B5EF4-FFF2-40B4-BE49-F238E27FC236}">
-                <a16:creationId xmlns:a16="http://schemas.microsoft.com/office/drawing/2014/main" id="{798E1BBA-9DB1-4C3E-AF1A-80D3DD4A5AE0}"/>
+                <a16:creationId xmlns:a16="http://schemas.microsoft.com/office/drawing/2014/main" xmlns="" id="{798E1BBA-9DB1-4C3E-AF1A-80D3DD4A5AE0}"/>
               </a:ext>
             </a:extLst>
           </p:cNvPr>
@@ -13758,7 +12945,7 @@
           <p:cNvPr id="5" name="Slide Number Placeholder 4">
             <a:extLst>
               <a:ext uri="{FF2B5EF4-FFF2-40B4-BE49-F238E27FC236}">
-                <a16:creationId xmlns:a16="http://schemas.microsoft.com/office/drawing/2014/main" id="{F9E21A5F-F017-4854-8AD9-1FFC5BED057D}"/>
+                <a16:creationId xmlns:a16="http://schemas.microsoft.com/office/drawing/2014/main" xmlns="" id="{F9E21A5F-F017-4854-8AD9-1FFC5BED057D}"/>
               </a:ext>
             </a:extLst>
           </p:cNvPr>
